--- a/AdversarialBiasPresentation Steven+Solange+Nicole.pptx
+++ b/AdversarialBiasPresentation Steven+Solange+Nicole.pptx
@@ -9046,11 +9046,11 @@
   <p:clrMapOvr>
     <a:masterClrMapping/>
   </p:clrMapOvr>
-  <mc:AlternateContent xmlns:mc="http://schemas.openxmlformats.org/markup-compatibility/2006">
-    <mc:Choice xmlns:p14="http://schemas.microsoft.com/office/powerpoint/2010/main" Requires="p14">
+  <mc:AlternateContent xmlns:mc="http://schemas.openxmlformats.org/markup-compatibility/2006" xmlns:p14="http://schemas.microsoft.com/office/powerpoint/2010/main">
+    <mc:Choice Requires="p14">
       <p:transition p14:dur="10"/>
     </mc:Choice>
-    <mc:Fallback>
+    <mc:Fallback xmlns="">
       <p:transition/>
     </mc:Fallback>
   </mc:AlternateContent>
@@ -9058,7 +9058,7 @@
 </file>
 
 <file path=ppt/slides/slide10.xml><?xml version="1.0" encoding="utf-8"?>
-<p:sld xmlns:a="http://schemas.openxmlformats.org/drawingml/2006/main" xmlns:r="http://schemas.openxmlformats.org/officeDocument/2006/relationships" xmlns:p="http://schemas.openxmlformats.org/presentationml/2006/main">
+<p:sld xmlns:a="http://schemas.openxmlformats.org/drawingml/2006/main" xmlns:r="http://schemas.openxmlformats.org/officeDocument/2006/relationships" xmlns:p="http://schemas.openxmlformats.org/presentationml/2006/main" show="0">
   <p:cSld>
     <p:spTree>
       <p:nvGrpSpPr>
@@ -9181,11 +9181,11 @@
   <p:clrMapOvr>
     <a:masterClrMapping/>
   </p:clrMapOvr>
-  <mc:AlternateContent xmlns:mc="http://schemas.openxmlformats.org/markup-compatibility/2006" xmlns:p14="http://schemas.microsoft.com/office/powerpoint/2010/main">
-    <mc:Choice Requires="p14">
+  <mc:AlternateContent xmlns:mc="http://schemas.openxmlformats.org/markup-compatibility/2006">
+    <mc:Choice xmlns:p14="http://schemas.microsoft.com/office/powerpoint/2010/main" Requires="p14">
       <p:transition p14:dur="0" advClick="0" advTm="15000"/>
     </mc:Choice>
-    <mc:Fallback xmlns="">
+    <mc:Fallback>
       <p:transition advClick="0" advTm="15000"/>
     </mc:Fallback>
   </mc:AlternateContent>
@@ -9276,8 +9276,8 @@
         </p:blipFill>
         <p:spPr>
           <a:xfrm>
-            <a:off x="200821" y="2161122"/>
-            <a:ext cx="5203631" cy="3545408"/>
+            <a:off x="256137" y="2405849"/>
+            <a:ext cx="5203631" cy="3927853"/>
           </a:xfrm>
           <a:prstGeom prst="rect">
             <a:avLst/>
@@ -9306,14 +9306,48 @@
         </p:blipFill>
         <p:spPr>
           <a:xfrm>
-            <a:off x="5443436" y="1773507"/>
-            <a:ext cx="3110898" cy="3963798"/>
+            <a:off x="5776965" y="2201663"/>
+            <a:ext cx="3110898" cy="3927853"/>
           </a:xfrm>
           <a:prstGeom prst="rect">
             <a:avLst/>
           </a:prstGeom>
         </p:spPr>
       </p:pic>
+      <p:sp>
+        <p:nvSpPr>
+          <p:cNvPr id="3" name="Rectangle 2">
+            <a:extLst>
+              <a:ext uri="{FF2B5EF4-FFF2-40B4-BE49-F238E27FC236}">
+                <a16:creationId xmlns:a16="http://schemas.microsoft.com/office/drawing/2014/main" id="{15150E90-E2D5-43EA-89FB-C6DF5F343F67}"/>
+              </a:ext>
+            </a:extLst>
+          </p:cNvPr>
+          <p:cNvSpPr/>
+          <p:nvPr/>
+        </p:nvSpPr>
+        <p:spPr>
+          <a:xfrm>
+            <a:off x="3023371" y="1241610"/>
+            <a:ext cx="3097258" cy="369332"/>
+          </a:xfrm>
+          <a:prstGeom prst="rect">
+            <a:avLst/>
+          </a:prstGeom>
+        </p:spPr>
+        <p:txBody>
+          <a:bodyPr wrap="none">
+            <a:spAutoFit/>
+          </a:bodyPr>
+          <a:lstStyle/>
+          <a:p>
+            <a:r>
+              <a:rPr lang="en-US" dirty="0"/>
+              <a:t>Understand Employee Attrition</a:t>
+            </a:r>
+          </a:p>
+        </p:txBody>
+      </p:sp>
     </p:spTree>
     <p:extLst>
       <p:ext uri="{BB962C8B-B14F-4D97-AF65-F5344CB8AC3E}">
@@ -11672,11 +11706,11 @@
   <p:clrMapOvr>
     <a:masterClrMapping/>
   </p:clrMapOvr>
-  <mc:AlternateContent xmlns:mc="http://schemas.openxmlformats.org/markup-compatibility/2006">
-    <mc:Choice xmlns:p14="http://schemas.microsoft.com/office/powerpoint/2010/main" Requires="p14">
+  <mc:AlternateContent xmlns:mc="http://schemas.openxmlformats.org/markup-compatibility/2006" xmlns:p14="http://schemas.microsoft.com/office/powerpoint/2010/main">
+    <mc:Choice Requires="p14">
       <p:transition spd="slow" p14:dur="2750" advClick="0" advTm="15000"/>
     </mc:Choice>
-    <mc:Fallback>
+    <mc:Fallback xmlns="">
       <p:transition spd="slow" advClick="0" advTm="15000"/>
     </mc:Fallback>
   </mc:AlternateContent>
@@ -12166,11 +12200,11 @@
   <p:clrMapOvr>
     <a:masterClrMapping/>
   </p:clrMapOvr>
-  <mc:AlternateContent xmlns:mc="http://schemas.openxmlformats.org/markup-compatibility/2006">
-    <mc:Choice xmlns:p14="http://schemas.microsoft.com/office/powerpoint/2010/main" Requires="p14">
+  <mc:AlternateContent xmlns:mc="http://schemas.openxmlformats.org/markup-compatibility/2006" xmlns:p14="http://schemas.microsoft.com/office/powerpoint/2010/main">
+    <mc:Choice Requires="p14">
       <p:transition p14:dur="0" advClick="0" advTm="30000"/>
     </mc:Choice>
-    <mc:Fallback>
+    <mc:Fallback xmlns="">
       <p:transition advClick="0" advTm="30000"/>
     </mc:Fallback>
   </mc:AlternateContent>
@@ -12555,11 +12589,11 @@
   <p:clrMapOvr>
     <a:masterClrMapping/>
   </p:clrMapOvr>
-  <mc:AlternateContent xmlns:mc="http://schemas.openxmlformats.org/markup-compatibility/2006">
-    <mc:Choice xmlns:p14="http://schemas.microsoft.com/office/powerpoint/2010/main" Requires="p14">
+  <mc:AlternateContent xmlns:mc="http://schemas.openxmlformats.org/markup-compatibility/2006" xmlns:p14="http://schemas.microsoft.com/office/powerpoint/2010/main">
+    <mc:Choice Requires="p14">
       <p:transition p14:dur="10" advClick="0" advTm="10000"/>
     </mc:Choice>
-    <mc:Fallback>
+    <mc:Fallback xmlns="">
       <p:transition advClick="0" advTm="10000"/>
     </mc:Fallback>
   </mc:AlternateContent>
@@ -12912,7 +12946,7 @@
 </file>
 
 <file path=ppt/slides/slide7.xml><?xml version="1.0" encoding="utf-8"?>
-<p:sld xmlns:a="http://schemas.openxmlformats.org/drawingml/2006/main" xmlns:r="http://schemas.openxmlformats.org/officeDocument/2006/relationships" xmlns:p="http://schemas.openxmlformats.org/presentationml/2006/main">
+<p:sld xmlns:a="http://schemas.openxmlformats.org/drawingml/2006/main" xmlns:r="http://schemas.openxmlformats.org/officeDocument/2006/relationships" xmlns:p="http://schemas.openxmlformats.org/presentationml/2006/main" show="0">
   <p:cSld>
     <p:spTree>
       <p:nvGrpSpPr>
@@ -13030,7 +13064,7 @@
         </p:blipFill>
         <p:spPr>
           <a:xfrm>
-            <a:off x="3009530" y="1217358"/>
+            <a:off x="2636668" y="416650"/>
             <a:ext cx="5771319" cy="3251447"/>
           </a:xfrm>
           <a:prstGeom prst="rect">
@@ -13083,11 +13117,11 @@
   <p:clrMapOvr>
     <a:masterClrMapping/>
   </p:clrMapOvr>
-  <mc:AlternateContent xmlns:mc="http://schemas.openxmlformats.org/markup-compatibility/2006" xmlns:p14="http://schemas.microsoft.com/office/powerpoint/2010/main">
-    <mc:Choice Requires="p14">
+  <mc:AlternateContent xmlns:mc="http://schemas.openxmlformats.org/markup-compatibility/2006">
+    <mc:Choice xmlns:p14="http://schemas.microsoft.com/office/powerpoint/2010/main" Requires="p14">
       <p:transition p14:dur="0" advClick="0" advTm="15000"/>
     </mc:Choice>
-    <mc:Fallback xmlns="">
+    <mc:Fallback>
       <p:transition advClick="0" advTm="15000"/>
     </mc:Fallback>
   </mc:AlternateContent>
@@ -13157,8 +13191,8 @@
         </p:blipFill>
         <p:spPr>
           <a:xfrm>
-            <a:off x="2200830" y="1327879"/>
-            <a:ext cx="4742340" cy="2222186"/>
+            <a:off x="4750385" y="3427319"/>
+            <a:ext cx="4172505" cy="2222186"/>
           </a:xfrm>
           <a:prstGeom prst="rect">
             <a:avLst/>
@@ -13210,14 +13244,288 @@
         </p:blipFill>
         <p:spPr>
           <a:xfrm>
-            <a:off x="2200831" y="3692540"/>
-            <a:ext cx="4742340" cy="2220505"/>
+            <a:off x="388953" y="3429000"/>
+            <a:ext cx="4183047" cy="2220505"/>
           </a:xfrm>
           <a:prstGeom prst="rect">
             <a:avLst/>
           </a:prstGeom>
         </p:spPr>
       </p:pic>
+      <p:pic>
+        <p:nvPicPr>
+          <p:cNvPr id="6" name="Picture 5" descr="A picture containing outdoor, riding, person, skiing&#10;&#10;Description automatically generated">
+            <a:extLst>
+              <a:ext uri="{FF2B5EF4-FFF2-40B4-BE49-F238E27FC236}">
+                <a16:creationId xmlns:a16="http://schemas.microsoft.com/office/drawing/2014/main" id="{07238B0F-84E0-4269-8ABD-612F3BC054B0}"/>
+              </a:ext>
+            </a:extLst>
+          </p:cNvPr>
+          <p:cNvPicPr>
+            <a:picLocks noChangeAspect="1"/>
+          </p:cNvPicPr>
+          <p:nvPr/>
+        </p:nvPicPr>
+        <p:blipFill>
+          <a:blip r:embed="rId4"/>
+          <a:stretch>
+            <a:fillRect/>
+          </a:stretch>
+        </p:blipFill>
+        <p:spPr>
+          <a:xfrm>
+            <a:off x="2485747" y="1078293"/>
+            <a:ext cx="4172505" cy="2350707"/>
+          </a:xfrm>
+          <a:prstGeom prst="rect">
+            <a:avLst/>
+          </a:prstGeom>
+        </p:spPr>
+      </p:pic>
+      <p:sp>
+        <p:nvSpPr>
+          <p:cNvPr id="7" name="Content Placeholder 2">
+            <a:extLst>
+              <a:ext uri="{FF2B5EF4-FFF2-40B4-BE49-F238E27FC236}">
+                <a16:creationId xmlns:a16="http://schemas.microsoft.com/office/drawing/2014/main" id="{8CBBA51F-4F90-4477-8ED2-E28EB91155EE}"/>
+              </a:ext>
+            </a:extLst>
+          </p:cNvPr>
+          <p:cNvSpPr txBox="1">
+            <a:spLocks/>
+          </p:cNvSpPr>
+          <p:nvPr/>
+        </p:nvSpPr>
+        <p:spPr>
+          <a:xfrm>
+            <a:off x="6125592" y="2959858"/>
+            <a:ext cx="2389758" cy="225117"/>
+          </a:xfrm>
+          <a:prstGeom prst="rect">
+            <a:avLst/>
+          </a:prstGeom>
+        </p:spPr>
+        <p:txBody>
+          <a:bodyPr vert="horz" lIns="91440" tIns="45720" rIns="91440" bIns="45720" rtlCol="0">
+            <a:normAutofit/>
+          </a:bodyPr>
+          <a:lstStyle>
+            <a:lvl1pPr marL="228600" indent="-228600" algn="l" defTabSz="914400" rtl="0" eaLnBrk="1" latinLnBrk="0" hangingPunct="1">
+              <a:lnSpc>
+                <a:spcPct val="90000"/>
+              </a:lnSpc>
+              <a:spcBef>
+                <a:spcPts val="1000"/>
+              </a:spcBef>
+              <a:buFont typeface="Arial" panose="020B0604020202020204" pitchFamily="34" charset="0"/>
+              <a:buChar char="•"/>
+              <a:defRPr sz="3200" kern="1200">
+                <a:solidFill>
+                  <a:schemeClr val="tx1"/>
+                </a:solidFill>
+                <a:latin typeface="Arial" charset="0"/>
+                <a:ea typeface="Arial" charset="0"/>
+                <a:cs typeface="Arial" charset="0"/>
+              </a:defRPr>
+            </a:lvl1pPr>
+            <a:lvl2pPr marL="685800" indent="-228600" algn="l" defTabSz="914400" rtl="0" eaLnBrk="1" latinLnBrk="0" hangingPunct="1">
+              <a:lnSpc>
+                <a:spcPct val="90000"/>
+              </a:lnSpc>
+              <a:spcBef>
+                <a:spcPts val="500"/>
+              </a:spcBef>
+              <a:buFont typeface="Arial" panose="020B0604020202020204" pitchFamily="34" charset="0"/>
+              <a:buChar char="•"/>
+              <a:defRPr sz="2800" kern="1200">
+                <a:solidFill>
+                  <a:srgbClr val="FF0000"/>
+                </a:solidFill>
+                <a:latin typeface="Arial" charset="0"/>
+                <a:ea typeface="Arial" charset="0"/>
+                <a:cs typeface="Arial" charset="0"/>
+              </a:defRPr>
+            </a:lvl2pPr>
+            <a:lvl3pPr marL="1143000" indent="-228600" algn="l" defTabSz="914400" rtl="0" eaLnBrk="1" latinLnBrk="0" hangingPunct="1">
+              <a:lnSpc>
+                <a:spcPct val="90000"/>
+              </a:lnSpc>
+              <a:spcBef>
+                <a:spcPts val="500"/>
+              </a:spcBef>
+              <a:buFont typeface="Arial" panose="020B0604020202020204" pitchFamily="34" charset="0"/>
+              <a:buChar char="•"/>
+              <a:defRPr sz="2400" kern="1200">
+                <a:solidFill>
+                  <a:srgbClr val="002060"/>
+                </a:solidFill>
+                <a:latin typeface="Arial" charset="0"/>
+                <a:ea typeface="Arial" charset="0"/>
+                <a:cs typeface="Arial" charset="0"/>
+              </a:defRPr>
+            </a:lvl3pPr>
+            <a:lvl4pPr marL="1600200" indent="-228600" algn="l" defTabSz="914400" rtl="0" eaLnBrk="1" latinLnBrk="0" hangingPunct="1">
+              <a:lnSpc>
+                <a:spcPct val="90000"/>
+              </a:lnSpc>
+              <a:spcBef>
+                <a:spcPts val="500"/>
+              </a:spcBef>
+              <a:buFont typeface="Arial" panose="020B0604020202020204" pitchFamily="34" charset="0"/>
+              <a:buChar char="•"/>
+              <a:defRPr sz="2000" kern="1200">
+                <a:solidFill>
+                  <a:srgbClr val="FF0000"/>
+                </a:solidFill>
+                <a:latin typeface="Arial" charset="0"/>
+                <a:ea typeface="Arial" charset="0"/>
+                <a:cs typeface="Arial" charset="0"/>
+              </a:defRPr>
+            </a:lvl4pPr>
+            <a:lvl5pPr marL="2057400" indent="-228600" algn="l" defTabSz="914400" rtl="0" eaLnBrk="1" latinLnBrk="0" hangingPunct="1">
+              <a:lnSpc>
+                <a:spcPct val="90000"/>
+              </a:lnSpc>
+              <a:spcBef>
+                <a:spcPts val="500"/>
+              </a:spcBef>
+              <a:buFont typeface="Arial" panose="020B0604020202020204" pitchFamily="34" charset="0"/>
+              <a:buChar char="•"/>
+              <a:defRPr sz="2000" kern="1200">
+                <a:solidFill>
+                  <a:srgbClr val="002060"/>
+                </a:solidFill>
+                <a:latin typeface="Arial" charset="0"/>
+                <a:ea typeface="Arial" charset="0"/>
+                <a:cs typeface="Arial" charset="0"/>
+              </a:defRPr>
+            </a:lvl5pPr>
+            <a:lvl6pPr marL="2514600" indent="-228600" algn="l" defTabSz="914400" rtl="0" eaLnBrk="1" latinLnBrk="0" hangingPunct="1">
+              <a:lnSpc>
+                <a:spcPct val="90000"/>
+              </a:lnSpc>
+              <a:spcBef>
+                <a:spcPts val="500"/>
+              </a:spcBef>
+              <a:buFont typeface="Arial" panose="020B0604020202020204" pitchFamily="34" charset="0"/>
+              <a:buChar char="•"/>
+              <a:defRPr sz="1800" kern="1200">
+                <a:solidFill>
+                  <a:schemeClr val="tx1"/>
+                </a:solidFill>
+                <a:latin typeface="+mn-lt"/>
+                <a:ea typeface="+mn-ea"/>
+                <a:cs typeface="+mn-cs"/>
+              </a:defRPr>
+            </a:lvl6pPr>
+            <a:lvl7pPr marL="2971800" indent="-228600" algn="l" defTabSz="914400" rtl="0" eaLnBrk="1" latinLnBrk="0" hangingPunct="1">
+              <a:lnSpc>
+                <a:spcPct val="90000"/>
+              </a:lnSpc>
+              <a:spcBef>
+                <a:spcPts val="500"/>
+              </a:spcBef>
+              <a:buFont typeface="Arial" panose="020B0604020202020204" pitchFamily="34" charset="0"/>
+              <a:buChar char="•"/>
+              <a:defRPr sz="1800" kern="1200">
+                <a:solidFill>
+                  <a:schemeClr val="tx1"/>
+                </a:solidFill>
+                <a:latin typeface="+mn-lt"/>
+                <a:ea typeface="+mn-ea"/>
+                <a:cs typeface="+mn-cs"/>
+              </a:defRPr>
+            </a:lvl7pPr>
+            <a:lvl8pPr marL="3429000" indent="-228600" algn="l" defTabSz="914400" rtl="0" eaLnBrk="1" latinLnBrk="0" hangingPunct="1">
+              <a:lnSpc>
+                <a:spcPct val="90000"/>
+              </a:lnSpc>
+              <a:spcBef>
+                <a:spcPts val="500"/>
+              </a:spcBef>
+              <a:buFont typeface="Arial" panose="020B0604020202020204" pitchFamily="34" charset="0"/>
+              <a:buChar char="•"/>
+              <a:defRPr sz="1800" kern="1200">
+                <a:solidFill>
+                  <a:schemeClr val="tx1"/>
+                </a:solidFill>
+                <a:latin typeface="+mn-lt"/>
+                <a:ea typeface="+mn-ea"/>
+                <a:cs typeface="+mn-cs"/>
+              </a:defRPr>
+            </a:lvl8pPr>
+            <a:lvl9pPr marL="3886200" indent="-228600" algn="l" defTabSz="914400" rtl="0" eaLnBrk="1" latinLnBrk="0" hangingPunct="1">
+              <a:lnSpc>
+                <a:spcPct val="90000"/>
+              </a:lnSpc>
+              <a:spcBef>
+                <a:spcPts val="500"/>
+              </a:spcBef>
+              <a:buFont typeface="Arial" panose="020B0604020202020204" pitchFamily="34" charset="0"/>
+              <a:buChar char="•"/>
+              <a:defRPr sz="1800" kern="1200">
+                <a:solidFill>
+                  <a:schemeClr val="tx1"/>
+                </a:solidFill>
+                <a:latin typeface="+mn-lt"/>
+                <a:ea typeface="+mn-ea"/>
+                <a:cs typeface="+mn-cs"/>
+              </a:defRPr>
+            </a:lvl9pPr>
+          </a:lstStyle>
+          <a:p>
+            <a:pPr marL="0" indent="0">
+              <a:buFont typeface="Arial" panose="020B0604020202020204" pitchFamily="34" charset="0"/>
+              <a:buNone/>
+            </a:pPr>
+            <a:r>
+              <a:rPr lang="en-US" sz="800">
+                <a:hlinkClick r:id="rId5"/>
+              </a:rPr>
+              <a:t>https://ya-webdesign.com/imgdownload.html</a:t>
+            </a:r>
+            <a:endParaRPr lang="en-US" sz="800" dirty="0"/>
+          </a:p>
+        </p:txBody>
+      </p:sp>
+      <p:cxnSp>
+        <p:nvCxnSpPr>
+          <p:cNvPr id="5" name="Straight Connector 4">
+            <a:extLst>
+              <a:ext uri="{FF2B5EF4-FFF2-40B4-BE49-F238E27FC236}">
+                <a16:creationId xmlns:a16="http://schemas.microsoft.com/office/drawing/2014/main" id="{9CF8E702-618C-42FB-B2AA-6C34C6055D80}"/>
+              </a:ext>
+            </a:extLst>
+          </p:cNvPr>
+          <p:cNvCxnSpPr>
+            <a:cxnSpLocks/>
+          </p:cNvCxnSpPr>
+          <p:nvPr/>
+        </p:nvCxnSpPr>
+        <p:spPr>
+          <a:xfrm>
+            <a:off x="4669654" y="3506680"/>
+            <a:ext cx="0" cy="2849671"/>
+          </a:xfrm>
+          <a:prstGeom prst="line">
+            <a:avLst/>
+          </a:prstGeom>
+        </p:spPr>
+        <p:style>
+          <a:lnRef idx="1">
+            <a:schemeClr val="dk1"/>
+          </a:lnRef>
+          <a:fillRef idx="0">
+            <a:schemeClr val="dk1"/>
+          </a:fillRef>
+          <a:effectRef idx="0">
+            <a:schemeClr val="dk1"/>
+          </a:effectRef>
+          <a:fontRef idx="minor">
+            <a:schemeClr val="tx1"/>
+          </a:fontRef>
+        </p:style>
+      </p:cxnSp>
     </p:spTree>
     <p:extLst>
       <p:ext uri="{BB962C8B-B14F-4D97-AF65-F5344CB8AC3E}">

--- a/AdversarialBiasPresentation Steven+Solange+Nicole.pptx
+++ b/AdversarialBiasPresentation Steven+Solange+Nicole.pptx
@@ -5353,7 +5353,7 @@
           <a:p>
             <a:fld id="{935336F5-A68D-9A4A-83AB-B8CD6FA5C732}" type="datetimeFigureOut">
               <a:rPr lang="en-US" smtClean="0"/>
-              <a:t>7/7/2020</a:t>
+              <a:t>7/8/2020</a:t>
             </a:fld>
             <a:endParaRPr lang="en-US"/>
           </a:p>
@@ -5748,16 +5748,97 @@
           <a:bodyPr/>
           <a:lstStyle/>
           <a:p>
-            <a:r>
-              <a:rPr lang="en-US" dirty="0"/>
-              <a:t>IBM Synthesized dataset</a:t>
-            </a:r>
-          </a:p>
-          <a:p>
-            <a:r>
-              <a:rPr lang="en-US" dirty="0"/>
-              <a:t>1470 observations </a:t>
-            </a:r>
+            <a:pPr marL="171450" indent="-171450">
+              <a:buFont typeface="Arial" panose="020B0604020202020204" pitchFamily="34" charset="0"/>
+              <a:buChar char="•"/>
+            </a:pPr>
+            <a:r>
+              <a:rPr lang="en-US" sz="1200" kern="1200" dirty="0">
+                <a:solidFill>
+                  <a:schemeClr val="tx1"/>
+                </a:solidFill>
+                <a:effectLst/>
+                <a:latin typeface="+mn-lt"/>
+                <a:ea typeface="+mn-ea"/>
+                <a:cs typeface="+mn-cs"/>
+              </a:rPr>
+              <a:t>We got our inspiration from the GANS Framework</a:t>
+            </a:r>
+          </a:p>
+          <a:p>
+            <a:pPr marL="171450" indent="-171450">
+              <a:buFont typeface="Arial" panose="020B0604020202020204" pitchFamily="34" charset="0"/>
+              <a:buChar char="•"/>
+            </a:pPr>
+            <a:r>
+              <a:rPr lang="en-US" sz="1200" kern="1200" dirty="0">
+                <a:solidFill>
+                  <a:schemeClr val="tx1"/>
+                </a:solidFill>
+                <a:effectLst/>
+                <a:latin typeface="+mn-lt"/>
+                <a:ea typeface="+mn-ea"/>
+                <a:cs typeface="+mn-cs"/>
+              </a:rPr>
+              <a:t>You have two algorithms competing against each other trying to minimize some loss function </a:t>
+            </a:r>
+          </a:p>
+          <a:p>
+            <a:pPr marL="171450" indent="-171450">
+              <a:buFont typeface="Arial" panose="020B0604020202020204" pitchFamily="34" charset="0"/>
+              <a:buChar char="•"/>
+            </a:pPr>
+            <a:r>
+              <a:rPr lang="en-US" sz="1200" kern="1200" dirty="0">
+                <a:solidFill>
+                  <a:schemeClr val="tx1"/>
+                </a:solidFill>
+                <a:effectLst/>
+                <a:latin typeface="+mn-lt"/>
+                <a:ea typeface="+mn-ea"/>
+                <a:cs typeface="+mn-cs"/>
+              </a:rPr>
+              <a:t>In the first image you have real data passed to the discriminator (agl1) to predict if it is real or not.</a:t>
+            </a:r>
+          </a:p>
+          <a:p>
+            <a:pPr marL="171450" indent="-171450">
+              <a:buFont typeface="Arial" panose="020B0604020202020204" pitchFamily="34" charset="0"/>
+              <a:buChar char="•"/>
+            </a:pPr>
+            <a:r>
+              <a:rPr lang="en-US" sz="1200" kern="1200" dirty="0">
+                <a:solidFill>
+                  <a:schemeClr val="tx1"/>
+                </a:solidFill>
+                <a:effectLst/>
+                <a:latin typeface="+mn-lt"/>
+                <a:ea typeface="+mn-ea"/>
+                <a:cs typeface="+mn-cs"/>
+              </a:rPr>
+              <a:t>In the second you have the generator taking noise and transforming it in its network to try and trick the discriminator. </a:t>
+            </a:r>
+          </a:p>
+          <a:p>
+            <a:pPr marL="171450" indent="-171450">
+              <a:buFont typeface="Arial" panose="020B0604020202020204" pitchFamily="34" charset="0"/>
+              <a:buChar char="•"/>
+            </a:pPr>
+            <a:r>
+              <a:rPr lang="en-US" sz="1200" kern="1200" dirty="0">
+                <a:solidFill>
+                  <a:schemeClr val="tx1"/>
+                </a:solidFill>
+                <a:effectLst/>
+                <a:latin typeface="+mn-lt"/>
+                <a:ea typeface="+mn-ea"/>
+                <a:cs typeface="+mn-cs"/>
+              </a:rPr>
+              <a:t>Depending on what network was wrong, that is the one that will be updated. </a:t>
+            </a:r>
+          </a:p>
+          <a:p>
+            <a:endParaRPr lang="en-US" dirty="0"/>
           </a:p>
         </p:txBody>
       </p:sp>
@@ -5778,6 +5859,129 @@
           <a:p>
             <a:fld id="{BAA9633A-392A-4347-9D1C-FF5FFE9476B1}" type="slidenum">
               <a:rPr lang="en-US" smtClean="0"/>
+              <a:t>8</a:t>
+            </a:fld>
+            <a:endParaRPr lang="en-US"/>
+          </a:p>
+        </p:txBody>
+      </p:sp>
+    </p:spTree>
+    <p:extLst>
+      <p:ext uri="{BB962C8B-B14F-4D97-AF65-F5344CB8AC3E}">
+        <p14:creationId xmlns:p14="http://schemas.microsoft.com/office/powerpoint/2010/main" val="2740084309"/>
+      </p:ext>
+    </p:extLst>
+  </p:cSld>
+  <p:clrMapOvr>
+    <a:masterClrMapping/>
+  </p:clrMapOvr>
+</p:notes>
+</file>
+
+<file path=ppt/notesSlides/notesSlide3.xml><?xml version="1.0" encoding="utf-8"?>
+<p:notes xmlns:a="http://schemas.openxmlformats.org/drawingml/2006/main" xmlns:r="http://schemas.openxmlformats.org/officeDocument/2006/relationships" xmlns:p="http://schemas.openxmlformats.org/presentationml/2006/main">
+  <p:cSld>
+    <p:spTree>
+      <p:nvGrpSpPr>
+        <p:cNvPr id="1" name=""/>
+        <p:cNvGrpSpPr/>
+        <p:nvPr/>
+      </p:nvGrpSpPr>
+      <p:grpSpPr>
+        <a:xfrm>
+          <a:off x="0" y="0"/>
+          <a:ext cx="0" cy="0"/>
+          <a:chOff x="0" y="0"/>
+          <a:chExt cx="0" cy="0"/>
+        </a:xfrm>
+      </p:grpSpPr>
+      <p:sp>
+        <p:nvSpPr>
+          <p:cNvPr id="2" name="Slide Image Placeholder 1"/>
+          <p:cNvSpPr>
+            <a:spLocks noGrp="1" noRot="1" noChangeAspect="1"/>
+          </p:cNvSpPr>
+          <p:nvPr>
+            <p:ph type="sldImg"/>
+          </p:nvPr>
+        </p:nvSpPr>
+        <p:spPr/>
+      </p:sp>
+      <p:sp>
+        <p:nvSpPr>
+          <p:cNvPr id="3" name="Notes Placeholder 2"/>
+          <p:cNvSpPr>
+            <a:spLocks noGrp="1"/>
+          </p:cNvSpPr>
+          <p:nvPr>
+            <p:ph type="body" idx="1"/>
+          </p:nvPr>
+        </p:nvSpPr>
+        <p:spPr/>
+        <p:txBody>
+          <a:bodyPr/>
+          <a:lstStyle/>
+          <a:p>
+            <a:r>
+              <a:rPr lang="en-US" sz="1200" kern="1200" dirty="0">
+                <a:solidFill>
+                  <a:schemeClr val="tx1"/>
+                </a:solidFill>
+                <a:effectLst/>
+                <a:latin typeface="+mn-lt"/>
+                <a:ea typeface="+mn-ea"/>
+                <a:cs typeface="+mn-cs"/>
+              </a:rPr>
+              <a:t>We used the synthetic IBM Attrition data for our experiment. </a:t>
+            </a:r>
+          </a:p>
+          <a:p>
+            <a:r>
+              <a:rPr lang="en-US" sz="1200" kern="1200" dirty="0">
+                <a:solidFill>
+                  <a:schemeClr val="tx1"/>
+                </a:solidFill>
+                <a:effectLst/>
+                <a:latin typeface="+mn-lt"/>
+                <a:ea typeface="+mn-ea"/>
+                <a:cs typeface="+mn-cs"/>
+              </a:rPr>
+              <a:t>As you can see the data is unbalanced with yellow = they left. </a:t>
+            </a:r>
+          </a:p>
+          <a:p>
+            <a:r>
+              <a:rPr lang="en-US" sz="1200" kern="1200" dirty="0">
+                <a:solidFill>
+                  <a:schemeClr val="tx1"/>
+                </a:solidFill>
+                <a:effectLst/>
+                <a:latin typeface="+mn-lt"/>
+                <a:ea typeface="+mn-ea"/>
+                <a:cs typeface="+mn-cs"/>
+              </a:rPr>
+              <a:t>The younger Age groups have a greater percentage of attrition.  </a:t>
+            </a:r>
+          </a:p>
+        </p:txBody>
+      </p:sp>
+      <p:sp>
+        <p:nvSpPr>
+          <p:cNvPr id="4" name="Slide Number Placeholder 3"/>
+          <p:cNvSpPr>
+            <a:spLocks noGrp="1"/>
+          </p:cNvSpPr>
+          <p:nvPr>
+            <p:ph type="sldNum" sz="quarter" idx="5"/>
+          </p:nvPr>
+        </p:nvSpPr>
+        <p:spPr/>
+        <p:txBody>
+          <a:bodyPr/>
+          <a:lstStyle/>
+          <a:p>
+            <a:fld id="{BAA9633A-392A-4347-9D1C-FF5FFE9476B1}" type="slidenum">
+              <a:rPr lang="en-US" smtClean="0"/>
               <a:t>11</a:t>
             </a:fld>
             <a:endParaRPr lang="en-US"/>
@@ -5788,6 +5992,369 @@
     <p:extLst>
       <p:ext uri="{BB962C8B-B14F-4D97-AF65-F5344CB8AC3E}">
         <p14:creationId xmlns:p14="http://schemas.microsoft.com/office/powerpoint/2010/main" val="582835802"/>
+      </p:ext>
+    </p:extLst>
+  </p:cSld>
+  <p:clrMapOvr>
+    <a:masterClrMapping/>
+  </p:clrMapOvr>
+</p:notes>
+</file>
+
+<file path=ppt/notesSlides/notesSlide4.xml><?xml version="1.0" encoding="utf-8"?>
+<p:notes xmlns:a="http://schemas.openxmlformats.org/drawingml/2006/main" xmlns:r="http://schemas.openxmlformats.org/officeDocument/2006/relationships" xmlns:p="http://schemas.openxmlformats.org/presentationml/2006/main">
+  <p:cSld>
+    <p:spTree>
+      <p:nvGrpSpPr>
+        <p:cNvPr id="1" name=""/>
+        <p:cNvGrpSpPr/>
+        <p:nvPr/>
+      </p:nvGrpSpPr>
+      <p:grpSpPr>
+        <a:xfrm>
+          <a:off x="0" y="0"/>
+          <a:ext cx="0" cy="0"/>
+          <a:chOff x="0" y="0"/>
+          <a:chExt cx="0" cy="0"/>
+        </a:xfrm>
+      </p:grpSpPr>
+      <p:sp>
+        <p:nvSpPr>
+          <p:cNvPr id="2" name="Slide Image Placeholder 1"/>
+          <p:cNvSpPr>
+            <a:spLocks noGrp="1" noRot="1" noChangeAspect="1"/>
+          </p:cNvSpPr>
+          <p:nvPr>
+            <p:ph type="sldImg"/>
+          </p:nvPr>
+        </p:nvSpPr>
+        <p:spPr/>
+      </p:sp>
+      <p:sp>
+        <p:nvSpPr>
+          <p:cNvPr id="3" name="Notes Placeholder 2"/>
+          <p:cNvSpPr>
+            <a:spLocks noGrp="1"/>
+          </p:cNvSpPr>
+          <p:nvPr>
+            <p:ph type="body" idx="1"/>
+          </p:nvPr>
+        </p:nvSpPr>
+        <p:spPr/>
+        <p:txBody>
+          <a:bodyPr/>
+          <a:lstStyle/>
+          <a:p>
+            <a:pPr marL="171450" indent="-171450">
+              <a:buFont typeface="Arial" panose="020B0604020202020204" pitchFamily="34" charset="0"/>
+              <a:buChar char="•"/>
+            </a:pPr>
+            <a:r>
+              <a:rPr lang="en-US" sz="1200" kern="1200" dirty="0">
+                <a:solidFill>
+                  <a:schemeClr val="tx1"/>
+                </a:solidFill>
+                <a:effectLst/>
+                <a:latin typeface="+mn-lt"/>
+                <a:ea typeface="+mn-ea"/>
+                <a:cs typeface="+mn-cs"/>
+              </a:rPr>
+              <a:t>Age is a protected attribute and we do not want age to influence the outcome.</a:t>
+            </a:r>
+          </a:p>
+          <a:p>
+            <a:pPr marL="171450" indent="-171450">
+              <a:buFont typeface="Arial" panose="020B0604020202020204" pitchFamily="34" charset="0"/>
+              <a:buChar char="•"/>
+            </a:pPr>
+            <a:r>
+              <a:rPr lang="en-US" sz="1200" kern="1200" dirty="0">
+                <a:solidFill>
+                  <a:schemeClr val="tx1"/>
+                </a:solidFill>
+                <a:effectLst/>
+                <a:latin typeface="+mn-lt"/>
+                <a:ea typeface="+mn-ea"/>
+                <a:cs typeface="+mn-cs"/>
+              </a:rPr>
+              <a:t>Most the time the protected attributes are just dropped, but other variables could be used as a substitute or is correlated with the protected attribute. </a:t>
+            </a:r>
+          </a:p>
+          <a:p>
+            <a:pPr marL="171450" indent="-171450">
+              <a:buFont typeface="Arial" panose="020B0604020202020204" pitchFamily="34" charset="0"/>
+              <a:buChar char="•"/>
+            </a:pPr>
+            <a:r>
+              <a:rPr lang="en-US" sz="1200" kern="1200" dirty="0">
+                <a:solidFill>
+                  <a:schemeClr val="tx1"/>
+                </a:solidFill>
+                <a:effectLst/>
+                <a:latin typeface="+mn-lt"/>
+                <a:ea typeface="+mn-ea"/>
+                <a:cs typeface="+mn-cs"/>
+              </a:rPr>
+              <a:t>For example, years worked at the company </a:t>
+            </a:r>
+          </a:p>
+          <a:p>
+            <a:pPr marL="171450" indent="-171450">
+              <a:buFont typeface="Arial" panose="020B0604020202020204" pitchFamily="34" charset="0"/>
+              <a:buChar char="•"/>
+            </a:pPr>
+            <a:r>
+              <a:rPr lang="en-US" sz="1200" kern="1200" dirty="0">
+                <a:solidFill>
+                  <a:schemeClr val="tx1"/>
+                </a:solidFill>
+                <a:effectLst/>
+                <a:latin typeface="+mn-lt"/>
+                <a:ea typeface="+mn-ea"/>
+                <a:cs typeface="+mn-cs"/>
+              </a:rPr>
+              <a:t>Our goal is to achieve or get closer to Demographic Parity by distributing accuracy across the age groups. </a:t>
+            </a:r>
+          </a:p>
+          <a:p>
+            <a:endParaRPr lang="en-US" dirty="0"/>
+          </a:p>
+        </p:txBody>
+      </p:sp>
+      <p:sp>
+        <p:nvSpPr>
+          <p:cNvPr id="4" name="Slide Number Placeholder 3"/>
+          <p:cNvSpPr>
+            <a:spLocks noGrp="1"/>
+          </p:cNvSpPr>
+          <p:nvPr>
+            <p:ph type="sldNum" sz="quarter" idx="5"/>
+          </p:nvPr>
+        </p:nvSpPr>
+        <p:spPr/>
+        <p:txBody>
+          <a:bodyPr/>
+          <a:lstStyle/>
+          <a:p>
+            <a:fld id="{BAA9633A-392A-4347-9D1C-FF5FFE9476B1}" type="slidenum">
+              <a:rPr lang="en-US" smtClean="0"/>
+              <a:t>12</a:t>
+            </a:fld>
+            <a:endParaRPr lang="en-US"/>
+          </a:p>
+        </p:txBody>
+      </p:sp>
+    </p:spTree>
+    <p:extLst>
+      <p:ext uri="{BB962C8B-B14F-4D97-AF65-F5344CB8AC3E}">
+        <p14:creationId xmlns:p14="http://schemas.microsoft.com/office/powerpoint/2010/main" val="3021403496"/>
+      </p:ext>
+    </p:extLst>
+  </p:cSld>
+  <p:clrMapOvr>
+    <a:masterClrMapping/>
+  </p:clrMapOvr>
+</p:notes>
+</file>
+
+<file path=ppt/notesSlides/notesSlide5.xml><?xml version="1.0" encoding="utf-8"?>
+<p:notes xmlns:a="http://schemas.openxmlformats.org/drawingml/2006/main" xmlns:r="http://schemas.openxmlformats.org/officeDocument/2006/relationships" xmlns:p="http://schemas.openxmlformats.org/presentationml/2006/main">
+  <p:cSld>
+    <p:spTree>
+      <p:nvGrpSpPr>
+        <p:cNvPr id="1" name=""/>
+        <p:cNvGrpSpPr/>
+        <p:nvPr/>
+      </p:nvGrpSpPr>
+      <p:grpSpPr>
+        <a:xfrm>
+          <a:off x="0" y="0"/>
+          <a:ext cx="0" cy="0"/>
+          <a:chOff x="0" y="0"/>
+          <a:chExt cx="0" cy="0"/>
+        </a:xfrm>
+      </p:grpSpPr>
+      <p:sp>
+        <p:nvSpPr>
+          <p:cNvPr id="2" name="Slide Image Placeholder 1"/>
+          <p:cNvSpPr>
+            <a:spLocks noGrp="1" noRot="1" noChangeAspect="1"/>
+          </p:cNvSpPr>
+          <p:nvPr>
+            <p:ph type="sldImg"/>
+          </p:nvPr>
+        </p:nvSpPr>
+        <p:spPr/>
+      </p:sp>
+      <p:sp>
+        <p:nvSpPr>
+          <p:cNvPr id="3" name="Notes Placeholder 2"/>
+          <p:cNvSpPr>
+            <a:spLocks noGrp="1"/>
+          </p:cNvSpPr>
+          <p:nvPr>
+            <p:ph type="body" idx="1"/>
+          </p:nvPr>
+        </p:nvSpPr>
+        <p:spPr/>
+        <p:txBody>
+          <a:bodyPr/>
+          <a:lstStyle/>
+          <a:p>
+            <a:pPr marL="171450" indent="-171450">
+              <a:buFont typeface="Arial" panose="020B0604020202020204" pitchFamily="34" charset="0"/>
+              <a:buChar char="•"/>
+            </a:pPr>
+            <a:r>
+              <a:rPr lang="en-US" sz="1200" kern="1200" dirty="0">
+                <a:solidFill>
+                  <a:schemeClr val="tx1"/>
+                </a:solidFill>
+                <a:effectLst/>
+                <a:latin typeface="+mn-lt"/>
+                <a:ea typeface="+mn-ea"/>
+                <a:cs typeface="+mn-cs"/>
+              </a:rPr>
+              <a:t>We start with a baseline to see how close we are to demographic parity.  </a:t>
+            </a:r>
+          </a:p>
+          <a:p>
+            <a:pPr marL="171450" indent="-171450">
+              <a:buFont typeface="Arial" panose="020B0604020202020204" pitchFamily="34" charset="0"/>
+              <a:buChar char="•"/>
+            </a:pPr>
+            <a:r>
+              <a:rPr lang="en-US" sz="1200" kern="1200" dirty="0">
+                <a:solidFill>
+                  <a:schemeClr val="tx1"/>
+                </a:solidFill>
+                <a:effectLst/>
+                <a:latin typeface="+mn-lt"/>
+                <a:ea typeface="+mn-ea"/>
+                <a:cs typeface="+mn-cs"/>
+              </a:rPr>
+              <a:t>We created a simple neural net  in the fashion of a logistic regression model. The idea is not to build the most accurate model but show that an adversarial can remove bias. </a:t>
+            </a:r>
+          </a:p>
+          <a:p>
+            <a:pPr marL="171450" indent="-171450">
+              <a:buFont typeface="Arial" panose="020B0604020202020204" pitchFamily="34" charset="0"/>
+              <a:buChar char="•"/>
+            </a:pPr>
+            <a:endParaRPr lang="en-US" sz="1200" kern="1200" dirty="0">
+              <a:solidFill>
+                <a:schemeClr val="tx1"/>
+              </a:solidFill>
+              <a:effectLst/>
+              <a:latin typeface="+mn-lt"/>
+              <a:ea typeface="+mn-ea"/>
+              <a:cs typeface="+mn-cs"/>
+            </a:endParaRPr>
+          </a:p>
+          <a:p>
+            <a:pPr marL="171450" indent="-171450">
+              <a:buFont typeface="Arial" panose="020B0604020202020204" pitchFamily="34" charset="0"/>
+              <a:buChar char="•"/>
+            </a:pPr>
+            <a:r>
+              <a:rPr lang="en-US" sz="1200" kern="1200" dirty="0">
+                <a:solidFill>
+                  <a:schemeClr val="tx1"/>
+                </a:solidFill>
+                <a:effectLst/>
+                <a:latin typeface="+mn-lt"/>
+                <a:ea typeface="+mn-ea"/>
+                <a:cs typeface="+mn-cs"/>
+              </a:rPr>
+              <a:t>The adversarial framework adds in our adversarial model that tries to predict age (our protected variable).</a:t>
+            </a:r>
+          </a:p>
+          <a:p>
+            <a:pPr marL="171450" indent="-171450">
+              <a:buFont typeface="Arial" panose="020B0604020202020204" pitchFamily="34" charset="0"/>
+              <a:buChar char="•"/>
+            </a:pPr>
+            <a:r>
+              <a:rPr lang="en-US" sz="1200" kern="1200" dirty="0">
+                <a:solidFill>
+                  <a:schemeClr val="tx1"/>
+                </a:solidFill>
+                <a:effectLst/>
+                <a:latin typeface="+mn-lt"/>
+                <a:ea typeface="+mn-ea"/>
+                <a:cs typeface="+mn-cs"/>
+              </a:rPr>
+              <a:t>The adversarial and the prediction models are wrapped together with a modified MSE that has a  tunable parameter to dampen the gradients. </a:t>
+            </a:r>
+          </a:p>
+          <a:p>
+            <a:pPr marL="171450" indent="-171450">
+              <a:buFont typeface="Arial" panose="020B0604020202020204" pitchFamily="34" charset="0"/>
+              <a:buChar char="•"/>
+            </a:pPr>
+            <a:r>
+              <a:rPr lang="en-US" sz="1200" kern="1200" dirty="0">
+                <a:solidFill>
+                  <a:schemeClr val="tx1"/>
+                </a:solidFill>
+                <a:effectLst/>
+                <a:latin typeface="+mn-lt"/>
+                <a:ea typeface="+mn-ea"/>
+                <a:cs typeface="+mn-cs"/>
+              </a:rPr>
+              <a:t>The loss is maximized because we want the model to be bad at predicting age. </a:t>
+            </a:r>
+          </a:p>
+          <a:p>
+            <a:pPr marL="171450" indent="-171450">
+              <a:buFont typeface="Arial" panose="020B0604020202020204" pitchFamily="34" charset="0"/>
+              <a:buChar char="•"/>
+            </a:pPr>
+            <a:r>
+              <a:rPr lang="en-US" sz="1200" kern="1200" dirty="0">
+                <a:solidFill>
+                  <a:schemeClr val="tx1"/>
+                </a:solidFill>
+                <a:effectLst/>
+                <a:latin typeface="+mn-lt"/>
+                <a:ea typeface="+mn-ea"/>
+                <a:cs typeface="+mn-cs"/>
+              </a:rPr>
+              <a:t>The prediction algorithm is the same as in our baseline  except the weights are modified from the MSE loss function as well as its original loss function .  </a:t>
+            </a:r>
+          </a:p>
+          <a:p>
+            <a:endParaRPr lang="en-US" dirty="0"/>
+          </a:p>
+        </p:txBody>
+      </p:sp>
+      <p:sp>
+        <p:nvSpPr>
+          <p:cNvPr id="4" name="Slide Number Placeholder 3"/>
+          <p:cNvSpPr>
+            <a:spLocks noGrp="1"/>
+          </p:cNvSpPr>
+          <p:nvPr>
+            <p:ph type="sldNum" sz="quarter" idx="5"/>
+          </p:nvPr>
+        </p:nvSpPr>
+        <p:spPr/>
+        <p:txBody>
+          <a:bodyPr/>
+          <a:lstStyle/>
+          <a:p>
+            <a:fld id="{BAA9633A-392A-4347-9D1C-FF5FFE9476B1}" type="slidenum">
+              <a:rPr lang="en-US" smtClean="0"/>
+              <a:t>14</a:t>
+            </a:fld>
+            <a:endParaRPr lang="en-US"/>
+          </a:p>
+        </p:txBody>
+      </p:sp>
+    </p:spTree>
+    <p:extLst>
+      <p:ext uri="{BB962C8B-B14F-4D97-AF65-F5344CB8AC3E}">
+        <p14:creationId xmlns:p14="http://schemas.microsoft.com/office/powerpoint/2010/main" val="290419068"/>
       </p:ext>
     </p:extLst>
   </p:cSld>
@@ -6095,7 +6662,7 @@
           <a:p>
             <a:fld id="{D8AC05B1-2526-7C44-8A74-66C916069F4A}" type="datetime1">
               <a:rPr lang="en-US" smtClean="0"/>
-              <a:t>7/7/2020</a:t>
+              <a:t>7/8/2020</a:t>
             </a:fld>
             <a:endParaRPr lang="en-US"/>
           </a:p>
@@ -6286,7 +6853,7 @@
           <a:p>
             <a:fld id="{C0E5C021-D243-504D-84B8-D45D829E8B6B}" type="datetime1">
               <a:rPr lang="en-US" smtClean="0"/>
-              <a:t>7/7/2020</a:t>
+              <a:t>7/8/2020</a:t>
             </a:fld>
             <a:endParaRPr lang="en-US"/>
           </a:p>
@@ -6467,7 +7034,7 @@
           <a:p>
             <a:fld id="{B6F93F85-28A1-8344-9763-EF19E19F9128}" type="datetime1">
               <a:rPr lang="en-US" smtClean="0"/>
-              <a:t>7/7/2020</a:t>
+              <a:t>7/8/2020</a:t>
             </a:fld>
             <a:endParaRPr lang="en-US"/>
           </a:p>
@@ -6731,7 +7298,7 @@
           <a:p>
             <a:fld id="{A2B5E9FB-9AD4-754B-A772-6D3733DD5BAC}" type="datetime1">
               <a:rPr lang="en-US" smtClean="0"/>
-              <a:t>7/7/2020</a:t>
+              <a:t>7/8/2020</a:t>
             </a:fld>
             <a:endParaRPr lang="en-US"/>
           </a:p>
@@ -6974,7 +7541,7 @@
           <a:p>
             <a:fld id="{3140DF9E-9222-EE48-A64D-28DE5FAE4784}" type="datetime1">
               <a:rPr lang="en-US" smtClean="0"/>
-              <a:t>7/7/2020</a:t>
+              <a:t>7/8/2020</a:t>
             </a:fld>
             <a:endParaRPr lang="en-US"/>
           </a:p>
@@ -7352,7 +7919,7 @@
           <a:p>
             <a:fld id="{A61490FA-57A5-0041-9FDC-ACD83A9AA0E7}" type="datetime1">
               <a:rPr lang="en-US" smtClean="0"/>
-              <a:t>7/7/2020</a:t>
+              <a:t>7/8/2020</a:t>
             </a:fld>
             <a:endParaRPr lang="en-US"/>
           </a:p>
@@ -7481,7 +8048,7 @@
           <a:p>
             <a:fld id="{7E8290BC-2F66-E549-BF33-0BE20A5801B5}" type="datetime1">
               <a:rPr lang="en-US" smtClean="0"/>
-              <a:t>7/7/2020</a:t>
+              <a:t>7/8/2020</a:t>
             </a:fld>
             <a:endParaRPr lang="en-US"/>
           </a:p>
@@ -7587,7 +8154,7 @@
           <a:p>
             <a:fld id="{3BC728CC-7587-8545-9431-C9A8BB34EC62}" type="datetime1">
               <a:rPr lang="en-US" smtClean="0"/>
-              <a:t>7/7/2020</a:t>
+              <a:t>7/8/2020</a:t>
             </a:fld>
             <a:endParaRPr lang="en-US"/>
           </a:p>
@@ -7875,7 +8442,7 @@
           <a:p>
             <a:fld id="{9A66CD15-5422-0542-9CE8-BC312846333A}" type="datetime1">
               <a:rPr lang="en-US" smtClean="0"/>
-              <a:t>7/7/2020</a:t>
+              <a:t>7/8/2020</a:t>
             </a:fld>
             <a:endParaRPr lang="en-US"/>
           </a:p>
@@ -8143,7 +8710,7 @@
           <a:p>
             <a:fld id="{2A2384D1-AE54-4D4A-B83F-6EAD03BEB987}" type="datetime1">
               <a:rPr lang="en-US" smtClean="0"/>
-              <a:t>7/7/2020</a:t>
+              <a:t>7/8/2020</a:t>
             </a:fld>
             <a:endParaRPr lang="en-US"/>
           </a:p>
@@ -9181,11 +9748,11 @@
   <p:clrMapOvr>
     <a:masterClrMapping/>
   </p:clrMapOvr>
-  <mc:AlternateContent xmlns:mc="http://schemas.openxmlformats.org/markup-compatibility/2006">
-    <mc:Choice xmlns:p14="http://schemas.microsoft.com/office/powerpoint/2010/main" Requires="p14">
+  <mc:AlternateContent xmlns:mc="http://schemas.openxmlformats.org/markup-compatibility/2006" xmlns:p14="http://schemas.microsoft.com/office/powerpoint/2010/main">
+    <mc:Choice Requires="p14">
       <p:transition p14:dur="0" advClick="0" advTm="15000"/>
     </mc:Choice>
-    <mc:Fallback>
+    <mc:Fallback xmlns="">
       <p:transition advClick="0" advTm="15000"/>
     </mc:Fallback>
   </mc:AlternateContent>
@@ -9358,12 +9925,12 @@
   <p:clrMapOvr>
     <a:masterClrMapping/>
   </p:clrMapOvr>
-  <mc:AlternateContent xmlns:mc="http://schemas.openxmlformats.org/markup-compatibility/2006" xmlns:p14="http://schemas.microsoft.com/office/powerpoint/2010/main">
-    <mc:Choice Requires="p14">
-      <p:transition p14:dur="0" advClick="0" advTm="15000"/>
+  <mc:AlternateContent xmlns:mc="http://schemas.openxmlformats.org/markup-compatibility/2006">
+    <mc:Choice xmlns:p14="http://schemas.microsoft.com/office/powerpoint/2010/main" Requires="p14">
+      <p:transition p14:dur="0" advClick="0" advTm="20000"/>
     </mc:Choice>
-    <mc:Fallback xmlns="">
-      <p:transition advClick="0" advTm="15000"/>
+    <mc:Fallback>
+      <p:transition advClick="0" advTm="20000"/>
     </mc:Fallback>
   </mc:AlternateContent>
 </p:sld>
@@ -9548,19 +10115,19 @@
   <p:clrMapOvr>
     <a:masterClrMapping/>
   </p:clrMapOvr>
-  <mc:AlternateContent xmlns:mc="http://schemas.openxmlformats.org/markup-compatibility/2006" xmlns:p14="http://schemas.microsoft.com/office/powerpoint/2010/main">
-    <mc:Choice Requires="p14">
-      <p:transition p14:dur="0" advClick="0" advTm="15000"/>
+  <mc:AlternateContent xmlns:mc="http://schemas.openxmlformats.org/markup-compatibility/2006">
+    <mc:Choice xmlns:p14="http://schemas.microsoft.com/office/powerpoint/2010/main" Requires="p14">
+      <p:transition p14:dur="10" advClick="0" advTm="25000"/>
     </mc:Choice>
-    <mc:Fallback xmlns="">
-      <p:transition advClick="0" advTm="15000"/>
+    <mc:Fallback>
+      <p:transition advClick="0" advTm="25000"/>
     </mc:Fallback>
   </mc:AlternateContent>
 </p:sld>
 </file>
 
 <file path=ppt/slides/slide13.xml><?xml version="1.0" encoding="utf-8"?>
-<p:sld xmlns:a="http://schemas.openxmlformats.org/drawingml/2006/main" xmlns:r="http://schemas.openxmlformats.org/officeDocument/2006/relationships" xmlns:p="http://schemas.openxmlformats.org/presentationml/2006/main">
+<p:sld xmlns:a="http://schemas.openxmlformats.org/drawingml/2006/main" xmlns:r="http://schemas.openxmlformats.org/officeDocument/2006/relationships" xmlns:p="http://schemas.openxmlformats.org/presentationml/2006/main" show="0">
   <p:cSld>
     <p:spTree>
       <p:nvGrpSpPr>
@@ -9960,11 +10527,11 @@
   <p:clrMapOvr>
     <a:masterClrMapping/>
   </p:clrMapOvr>
-  <mc:AlternateContent xmlns:mc="http://schemas.openxmlformats.org/markup-compatibility/2006" xmlns:p14="http://schemas.microsoft.com/office/powerpoint/2010/main">
-    <mc:Choice Requires="p14">
+  <mc:AlternateContent xmlns:mc="http://schemas.openxmlformats.org/markup-compatibility/2006">
+    <mc:Choice xmlns:p14="http://schemas.microsoft.com/office/powerpoint/2010/main" Requires="p14">
       <p:transition p14:dur="0" advClick="0" advTm="15000"/>
     </mc:Choice>
-    <mc:Fallback xmlns="">
+    <mc:Fallback>
       <p:transition advClick="0" advTm="15000"/>
     </mc:Fallback>
   </mc:AlternateContent>
@@ -10010,8 +10577,8 @@
           </a:p>
         </p:txBody>
       </p:sp>
-      <mc:AlternateContent xmlns:mc="http://schemas.openxmlformats.org/markup-compatibility/2006" xmlns:a14="http://schemas.microsoft.com/office/drawing/2010/main">
-        <mc:Choice Requires="a14">
+      <mc:AlternateContent xmlns:mc="http://schemas.openxmlformats.org/markup-compatibility/2006">
+        <mc:Choice xmlns:a14="http://schemas.microsoft.com/office/drawing/2010/main" Requires="a14">
           <p:sp>
             <p:nvSpPr>
               <p:cNvPr id="3" name="Content Placeholder 2"/>
@@ -10024,24 +10591,38 @@
             </p:nvSpPr>
             <p:spPr/>
             <p:txBody>
-              <a:bodyPr/>
+              <a:bodyPr>
+                <a:normAutofit/>
+              </a:bodyPr>
               <a:lstStyle/>
               <a:p>
                 <a:r>
                   <a:rPr lang="en-US" dirty="0"/>
-                  <a:t>Adversarial Architecture</a:t>
+                  <a:t>Baseline</a:t>
                 </a:r>
               </a:p>
               <a:p>
-                <a:endParaRPr lang="en-US" dirty="0"/>
+                <a:pPr lvl="1"/>
+                <a:r>
+                  <a:rPr lang="en-US" dirty="0">
+                    <a:solidFill>
+                      <a:schemeClr val="tx1"/>
+                    </a:solidFill>
+                  </a:rPr>
+                  <a:t>Logistic model </a:t>
+                </a:r>
               </a:p>
               <a:p>
+                <a:pPr lvl="1"/>
                 <a14:m>
                   <m:oMath xmlns:m="http://schemas.openxmlformats.org/officeDocument/2006/math">
                     <m:sSub>
                       <m:sSubPr>
                         <m:ctrlPr>
                           <a:rPr lang="en-US" i="1">
+                            <a:solidFill>
+                              <a:schemeClr val="tx1"/>
+                            </a:solidFill>
                             <a:latin typeface="Cambria Math" panose="02040503050406030204" pitchFamily="18" charset="0"/>
                           </a:rPr>
                         </m:ctrlPr>
@@ -10052,6 +10633,9 @@
                             <m:chr m:val="̂"/>
                             <m:ctrlPr>
                               <a:rPr lang="en-US" i="1">
+                                <a:solidFill>
+                                  <a:schemeClr val="tx1"/>
+                                </a:solidFill>
                                 <a:latin typeface="Cambria Math" panose="02040503050406030204" pitchFamily="18" charset="0"/>
                               </a:rPr>
                             </m:ctrlPr>
@@ -10059,6 +10643,9 @@
                           <m:e>
                             <m:r>
                               <a:rPr lang="en-US" i="1">
+                                <a:solidFill>
+                                  <a:schemeClr val="tx1"/>
+                                </a:solidFill>
                                 <a:latin typeface="Cambria Math" panose="02040503050406030204" pitchFamily="18" charset="0"/>
                               </a:rPr>
                               <m:t>𝑦</m:t>
@@ -10069,6 +10656,9 @@
                       <m:sub>
                         <m:r>
                           <a:rPr lang="en-US" i="1">
+                            <a:solidFill>
+                              <a:schemeClr val="tx1"/>
+                            </a:solidFill>
                             <a:latin typeface="Cambria Math" panose="02040503050406030204" pitchFamily="18" charset="0"/>
                           </a:rPr>
                           <m:t>𝐴𝑡𝑡𝑟𝑖𝑡𝑖𝑜𝑛</m:t>
@@ -10077,6 +10667,9 @@
                     </m:sSub>
                     <m:r>
                       <a:rPr lang="en-US" i="1">
+                        <a:solidFill>
+                          <a:schemeClr val="tx1"/>
+                        </a:solidFill>
                         <a:latin typeface="Cambria Math" panose="02040503050406030204" pitchFamily="18" charset="0"/>
                       </a:rPr>
                       <m:t>=</m:t>
@@ -10085,6 +10678,9 @@
                       <m:sSubPr>
                         <m:ctrlPr>
                           <a:rPr lang="en-US" i="1">
+                            <a:solidFill>
+                              <a:schemeClr val="tx1"/>
+                            </a:solidFill>
                             <a:latin typeface="Cambria Math" panose="02040503050406030204" pitchFamily="18" charset="0"/>
                           </a:rPr>
                         </m:ctrlPr>
@@ -10092,6 +10688,9 @@
                       <m:e>
                         <m:r>
                           <a:rPr lang="en-US" i="1">
+                            <a:solidFill>
+                              <a:schemeClr val="tx1"/>
+                            </a:solidFill>
                             <a:latin typeface="Cambria Math" panose="02040503050406030204" pitchFamily="18" charset="0"/>
                           </a:rPr>
                           <m:t>𝛽</m:t>
@@ -10100,6 +10699,9 @@
                       <m:sub>
                         <m:r>
                           <a:rPr lang="en-US" i="1">
+                            <a:solidFill>
+                              <a:schemeClr val="tx1"/>
+                            </a:solidFill>
                             <a:latin typeface="Cambria Math" panose="02040503050406030204" pitchFamily="18" charset="0"/>
                           </a:rPr>
                           <m:t>0</m:t>
@@ -10108,6 +10710,9 @@
                     </m:sSub>
                     <m:r>
                       <a:rPr lang="en-US" i="1">
+                        <a:solidFill>
+                          <a:schemeClr val="tx1"/>
+                        </a:solidFill>
                         <a:latin typeface="Cambria Math" panose="02040503050406030204" pitchFamily="18" charset="0"/>
                       </a:rPr>
                       <m:t>+</m:t>
@@ -10116,6 +10721,9 @@
                       <m:sSubPr>
                         <m:ctrlPr>
                           <a:rPr lang="en-US" i="1">
+                            <a:solidFill>
+                              <a:schemeClr val="tx1"/>
+                            </a:solidFill>
                             <a:latin typeface="Cambria Math" panose="02040503050406030204" pitchFamily="18" charset="0"/>
                           </a:rPr>
                         </m:ctrlPr>
@@ -10125,6 +10733,9 @@
                           <m:sSubPr>
                             <m:ctrlPr>
                               <a:rPr lang="en-US" i="1">
+                                <a:solidFill>
+                                  <a:schemeClr val="tx1"/>
+                                </a:solidFill>
                                 <a:latin typeface="Cambria Math" panose="02040503050406030204" pitchFamily="18" charset="0"/>
                               </a:rPr>
                             </m:ctrlPr>
@@ -10132,6 +10743,9 @@
                           <m:e>
                             <m:r>
                               <a:rPr lang="en-US" i="1">
+                                <a:solidFill>
+                                  <a:schemeClr val="tx1"/>
+                                </a:solidFill>
                                 <a:latin typeface="Cambria Math" panose="02040503050406030204" pitchFamily="18" charset="0"/>
                               </a:rPr>
                               <m:t>𝛽</m:t>
@@ -10140,6 +10754,9 @@
                           <m:sub>
                             <m:r>
                               <a:rPr lang="en-US" i="1">
+                                <a:solidFill>
+                                  <a:schemeClr val="tx1"/>
+                                </a:solidFill>
                                 <a:latin typeface="Cambria Math" panose="02040503050406030204" pitchFamily="18" charset="0"/>
                               </a:rPr>
                               <m:t>1</m:t>
@@ -10148,6 +10765,9 @@
                         </m:sSub>
                         <m:r>
                           <a:rPr lang="en-US" i="1">
+                            <a:solidFill>
+                              <a:schemeClr val="tx1"/>
+                            </a:solidFill>
                             <a:latin typeface="Cambria Math" panose="02040503050406030204" pitchFamily="18" charset="0"/>
                           </a:rPr>
                           <m:t>𝑥</m:t>
@@ -10156,6 +10776,9 @@
                       <m:sub>
                         <m:r>
                           <a:rPr lang="en-US" i="1">
+                            <a:solidFill>
+                              <a:schemeClr val="tx1"/>
+                            </a:solidFill>
                             <a:latin typeface="Cambria Math" panose="02040503050406030204" pitchFamily="18" charset="0"/>
                           </a:rPr>
                           <m:t>1</m:t>
@@ -10164,6 +10787,9 @@
                     </m:sSub>
                     <m:r>
                       <a:rPr lang="en-US" i="1">
+                        <a:solidFill>
+                          <a:schemeClr val="tx1"/>
+                        </a:solidFill>
                         <a:latin typeface="Cambria Math" panose="02040503050406030204" pitchFamily="18" charset="0"/>
                       </a:rPr>
                       <m:t>+</m:t>
@@ -10172,6 +10798,9 @@
                       <m:sSubPr>
                         <m:ctrlPr>
                           <a:rPr lang="en-US" i="1">
+                            <a:solidFill>
+                              <a:schemeClr val="tx1"/>
+                            </a:solidFill>
                             <a:latin typeface="Cambria Math" panose="02040503050406030204" pitchFamily="18" charset="0"/>
                           </a:rPr>
                         </m:ctrlPr>
@@ -10181,6 +10810,9 @@
                           <m:sSubPr>
                             <m:ctrlPr>
                               <a:rPr lang="en-US" i="1">
+                                <a:solidFill>
+                                  <a:schemeClr val="tx1"/>
+                                </a:solidFill>
                                 <a:latin typeface="Cambria Math" panose="02040503050406030204" pitchFamily="18" charset="0"/>
                               </a:rPr>
                             </m:ctrlPr>
@@ -10188,6 +10820,9 @@
                           <m:e>
                             <m:r>
                               <a:rPr lang="en-US" i="1">
+                                <a:solidFill>
+                                  <a:schemeClr val="tx1"/>
+                                </a:solidFill>
                                 <a:latin typeface="Cambria Math" panose="02040503050406030204" pitchFamily="18" charset="0"/>
                               </a:rPr>
                               <m:t>𝛽</m:t>
@@ -10196,6 +10831,9 @@
                           <m:sub>
                             <m:r>
                               <a:rPr lang="en-US" i="1">
+                                <a:solidFill>
+                                  <a:schemeClr val="tx1"/>
+                                </a:solidFill>
                                 <a:latin typeface="Cambria Math" panose="02040503050406030204" pitchFamily="18" charset="0"/>
                               </a:rPr>
                               <m:t>2</m:t>
@@ -10204,6 +10842,9 @@
                         </m:sSub>
                         <m:r>
                           <a:rPr lang="en-US" i="1">
+                            <a:solidFill>
+                              <a:schemeClr val="tx1"/>
+                            </a:solidFill>
                             <a:latin typeface="Cambria Math" panose="02040503050406030204" pitchFamily="18" charset="0"/>
                           </a:rPr>
                           <m:t>𝑥</m:t>
@@ -10212,6 +10853,9 @@
                       <m:sub>
                         <m:r>
                           <a:rPr lang="en-US" i="1">
+                            <a:solidFill>
+                              <a:schemeClr val="tx1"/>
+                            </a:solidFill>
                             <a:latin typeface="Cambria Math" panose="02040503050406030204" pitchFamily="18" charset="0"/>
                           </a:rPr>
                           <m:t>2</m:t>
@@ -10220,6 +10864,9 @@
                     </m:sSub>
                     <m:r>
                       <a:rPr lang="en-US" i="1">
+                        <a:solidFill>
+                          <a:schemeClr val="tx1"/>
+                        </a:solidFill>
                         <a:latin typeface="Cambria Math" panose="02040503050406030204" pitchFamily="18" charset="0"/>
                       </a:rPr>
                       <m:t>+</m:t>
@@ -10228,6 +10875,9 @@
                       <m:sSubPr>
                         <m:ctrlPr>
                           <a:rPr lang="en-US" i="1">
+                            <a:solidFill>
+                              <a:schemeClr val="tx1"/>
+                            </a:solidFill>
                             <a:latin typeface="Cambria Math" panose="02040503050406030204" pitchFamily="18" charset="0"/>
                           </a:rPr>
                         </m:ctrlPr>
@@ -10237,6 +10887,9 @@
                           <m:sSubPr>
                             <m:ctrlPr>
                               <a:rPr lang="en-US" i="1">
+                                <a:solidFill>
+                                  <a:schemeClr val="tx1"/>
+                                </a:solidFill>
                                 <a:latin typeface="Cambria Math" panose="02040503050406030204" pitchFamily="18" charset="0"/>
                               </a:rPr>
                             </m:ctrlPr>
@@ -10244,6 +10897,9 @@
                           <m:e>
                             <m:r>
                               <a:rPr lang="en-US" i="1">
+                                <a:solidFill>
+                                  <a:schemeClr val="tx1"/>
+                                </a:solidFill>
                                 <a:latin typeface="Cambria Math" panose="02040503050406030204" pitchFamily="18" charset="0"/>
                               </a:rPr>
                               <m:t>𝛽</m:t>
@@ -10252,6 +10908,9 @@
                           <m:sub>
                             <m:r>
                               <a:rPr lang="en-US" i="1">
+                                <a:solidFill>
+                                  <a:schemeClr val="tx1"/>
+                                </a:solidFill>
                                 <a:latin typeface="Cambria Math" panose="02040503050406030204" pitchFamily="18" charset="0"/>
                               </a:rPr>
                               <m:t>𝑛</m:t>
@@ -10260,6 +10919,9 @@
                         </m:sSub>
                         <m:r>
                           <a:rPr lang="en-US" i="1">
+                            <a:solidFill>
+                              <a:schemeClr val="tx1"/>
+                            </a:solidFill>
                             <a:latin typeface="Cambria Math" panose="02040503050406030204" pitchFamily="18" charset="0"/>
                           </a:rPr>
                           <m:t>𝑥</m:t>
@@ -10268,6 +10930,9 @@
                       <m:sub>
                         <m:r>
                           <a:rPr lang="en-US" i="1">
+                            <a:solidFill>
+                              <a:schemeClr val="tx1"/>
+                            </a:solidFill>
                             <a:latin typeface="Cambria Math" panose="02040503050406030204" pitchFamily="18" charset="0"/>
                           </a:rPr>
                           <m:t>𝑛</m:t>
@@ -10276,27 +10941,50 @@
                     </m:sSub>
                     <m:r>
                       <a:rPr lang="en-US" i="1">
+                        <a:solidFill>
+                          <a:schemeClr val="tx1"/>
+                        </a:solidFill>
                         <a:latin typeface="Cambria Math" panose="02040503050406030204" pitchFamily="18" charset="0"/>
                       </a:rPr>
                       <m:t>+</m:t>
                     </m:r>
                     <m:r>
                       <a:rPr lang="en-US" i="1">
+                        <a:solidFill>
+                          <a:schemeClr val="tx1"/>
+                        </a:solidFill>
                         <a:latin typeface="Cambria Math" panose="02040503050406030204" pitchFamily="18" charset="0"/>
                       </a:rPr>
                       <m:t>𝜀</m:t>
                     </m:r>
                   </m:oMath>
                 </a14:m>
+                <a:endParaRPr lang="en-US" dirty="0">
+                  <a:solidFill>
+                    <a:schemeClr val="tx1"/>
+                  </a:solidFill>
+                </a:endParaRPr>
+              </a:p>
+              <a:p>
                 <a:endParaRPr lang="en-US" dirty="0"/>
               </a:p>
               <a:p>
+                <a:r>
+                  <a:rPr lang="en-US" dirty="0"/>
+                  <a:t>Adversarial Architecture</a:t>
+                </a:r>
+              </a:p>
+              <a:p>
+                <a:pPr lvl="1"/>
                 <a14:m>
                   <m:oMath xmlns:m="http://schemas.openxmlformats.org/officeDocument/2006/math">
                     <m:sSub>
                       <m:sSubPr>
                         <m:ctrlPr>
-                          <a:rPr lang="en-US" i="1">
+                          <a:rPr lang="en-US" i="1" smtClean="0">
+                            <a:solidFill>
+                              <a:schemeClr val="tx1"/>
+                            </a:solidFill>
                             <a:latin typeface="Cambria Math" panose="02040503050406030204" pitchFamily="18" charset="0"/>
                           </a:rPr>
                         </m:ctrlPr>
@@ -10307,6 +10995,9 @@
                             <m:chr m:val="̂"/>
                             <m:ctrlPr>
                               <a:rPr lang="en-US" i="1">
+                                <a:solidFill>
+                                  <a:schemeClr val="tx1"/>
+                                </a:solidFill>
                                 <a:latin typeface="Cambria Math" panose="02040503050406030204" pitchFamily="18" charset="0"/>
                               </a:rPr>
                             </m:ctrlPr>
@@ -10314,6 +11005,362 @@
                           <m:e>
                             <m:r>
                               <a:rPr lang="en-US" i="1">
+                                <a:solidFill>
+                                  <a:schemeClr val="tx1"/>
+                                </a:solidFill>
+                                <a:latin typeface="Cambria Math" panose="02040503050406030204" pitchFamily="18" charset="0"/>
+                              </a:rPr>
+                              <m:t>𝑦</m:t>
+                            </m:r>
+                          </m:e>
+                        </m:acc>
+                      </m:e>
+                      <m:sub>
+                        <m:r>
+                          <a:rPr lang="en-US" i="1">
+                            <a:solidFill>
+                              <a:schemeClr val="tx1"/>
+                            </a:solidFill>
+                            <a:latin typeface="Cambria Math" panose="02040503050406030204" pitchFamily="18" charset="0"/>
+                          </a:rPr>
+                          <m:t>𝐴𝑡𝑡𝑟𝑖𝑡𝑖𝑜𝑛</m:t>
+                        </m:r>
+                      </m:sub>
+                    </m:sSub>
+                    <m:r>
+                      <a:rPr lang="en-US" i="1">
+                        <a:solidFill>
+                          <a:schemeClr val="tx1"/>
+                        </a:solidFill>
+                        <a:latin typeface="Cambria Math" panose="02040503050406030204" pitchFamily="18" charset="0"/>
+                      </a:rPr>
+                      <m:t>=</m:t>
+                    </m:r>
+                    <m:sSub>
+                      <m:sSubPr>
+                        <m:ctrlPr>
+                          <a:rPr lang="en-US" i="1">
+                            <a:solidFill>
+                              <a:schemeClr val="tx1"/>
+                            </a:solidFill>
+                            <a:latin typeface="Cambria Math" panose="02040503050406030204" pitchFamily="18" charset="0"/>
+                          </a:rPr>
+                        </m:ctrlPr>
+                      </m:sSubPr>
+                      <m:e>
+                        <m:r>
+                          <a:rPr lang="en-US" i="1">
+                            <a:solidFill>
+                              <a:schemeClr val="tx1"/>
+                            </a:solidFill>
+                            <a:latin typeface="Cambria Math" panose="02040503050406030204" pitchFamily="18" charset="0"/>
+                          </a:rPr>
+                          <m:t>𝛽</m:t>
+                        </m:r>
+                      </m:e>
+                      <m:sub>
+                        <m:r>
+                          <a:rPr lang="en-US" i="1">
+                            <a:solidFill>
+                              <a:schemeClr val="tx1"/>
+                            </a:solidFill>
+                            <a:latin typeface="Cambria Math" panose="02040503050406030204" pitchFamily="18" charset="0"/>
+                          </a:rPr>
+                          <m:t>0</m:t>
+                        </m:r>
+                      </m:sub>
+                    </m:sSub>
+                    <m:r>
+                      <a:rPr lang="en-US" i="1">
+                        <a:solidFill>
+                          <a:schemeClr val="tx1"/>
+                        </a:solidFill>
+                        <a:latin typeface="Cambria Math" panose="02040503050406030204" pitchFamily="18" charset="0"/>
+                      </a:rPr>
+                      <m:t>+</m:t>
+                    </m:r>
+                    <m:sSub>
+                      <m:sSubPr>
+                        <m:ctrlPr>
+                          <a:rPr lang="en-US" i="1">
+                            <a:solidFill>
+                              <a:schemeClr val="tx1"/>
+                            </a:solidFill>
+                            <a:latin typeface="Cambria Math" panose="02040503050406030204" pitchFamily="18" charset="0"/>
+                          </a:rPr>
+                        </m:ctrlPr>
+                      </m:sSubPr>
+                      <m:e>
+                        <m:sSub>
+                          <m:sSubPr>
+                            <m:ctrlPr>
+                              <a:rPr lang="en-US" i="1">
+                                <a:solidFill>
+                                  <a:schemeClr val="tx1"/>
+                                </a:solidFill>
+                                <a:latin typeface="Cambria Math" panose="02040503050406030204" pitchFamily="18" charset="0"/>
+                              </a:rPr>
+                            </m:ctrlPr>
+                          </m:sSubPr>
+                          <m:e>
+                            <m:r>
+                              <a:rPr lang="en-US" i="1">
+                                <a:solidFill>
+                                  <a:schemeClr val="tx1"/>
+                                </a:solidFill>
+                                <a:latin typeface="Cambria Math" panose="02040503050406030204" pitchFamily="18" charset="0"/>
+                              </a:rPr>
+                              <m:t>𝛽</m:t>
+                            </m:r>
+                          </m:e>
+                          <m:sub>
+                            <m:r>
+                              <a:rPr lang="en-US" i="1">
+                                <a:solidFill>
+                                  <a:schemeClr val="tx1"/>
+                                </a:solidFill>
+                                <a:latin typeface="Cambria Math" panose="02040503050406030204" pitchFamily="18" charset="0"/>
+                              </a:rPr>
+                              <m:t>1</m:t>
+                            </m:r>
+                          </m:sub>
+                        </m:sSub>
+                        <m:r>
+                          <a:rPr lang="en-US" i="1">
+                            <a:solidFill>
+                              <a:schemeClr val="tx1"/>
+                            </a:solidFill>
+                            <a:latin typeface="Cambria Math" panose="02040503050406030204" pitchFamily="18" charset="0"/>
+                          </a:rPr>
+                          <m:t>𝑥</m:t>
+                        </m:r>
+                      </m:e>
+                      <m:sub>
+                        <m:r>
+                          <a:rPr lang="en-US" i="1">
+                            <a:solidFill>
+                              <a:schemeClr val="tx1"/>
+                            </a:solidFill>
+                            <a:latin typeface="Cambria Math" panose="02040503050406030204" pitchFamily="18" charset="0"/>
+                          </a:rPr>
+                          <m:t>1</m:t>
+                        </m:r>
+                      </m:sub>
+                    </m:sSub>
+                    <m:r>
+                      <a:rPr lang="en-US" i="1">
+                        <a:solidFill>
+                          <a:schemeClr val="tx1"/>
+                        </a:solidFill>
+                        <a:latin typeface="Cambria Math" panose="02040503050406030204" pitchFamily="18" charset="0"/>
+                      </a:rPr>
+                      <m:t>+</m:t>
+                    </m:r>
+                    <m:sSub>
+                      <m:sSubPr>
+                        <m:ctrlPr>
+                          <a:rPr lang="en-US" i="1">
+                            <a:solidFill>
+                              <a:schemeClr val="tx1"/>
+                            </a:solidFill>
+                            <a:latin typeface="Cambria Math" panose="02040503050406030204" pitchFamily="18" charset="0"/>
+                          </a:rPr>
+                        </m:ctrlPr>
+                      </m:sSubPr>
+                      <m:e>
+                        <m:sSub>
+                          <m:sSubPr>
+                            <m:ctrlPr>
+                              <a:rPr lang="en-US" i="1">
+                                <a:solidFill>
+                                  <a:schemeClr val="tx1"/>
+                                </a:solidFill>
+                                <a:latin typeface="Cambria Math" panose="02040503050406030204" pitchFamily="18" charset="0"/>
+                              </a:rPr>
+                            </m:ctrlPr>
+                          </m:sSubPr>
+                          <m:e>
+                            <m:r>
+                              <a:rPr lang="en-US" i="1">
+                                <a:solidFill>
+                                  <a:schemeClr val="tx1"/>
+                                </a:solidFill>
+                                <a:latin typeface="Cambria Math" panose="02040503050406030204" pitchFamily="18" charset="0"/>
+                              </a:rPr>
+                              <m:t>𝛽</m:t>
+                            </m:r>
+                          </m:e>
+                          <m:sub>
+                            <m:r>
+                              <a:rPr lang="en-US" i="1">
+                                <a:solidFill>
+                                  <a:schemeClr val="tx1"/>
+                                </a:solidFill>
+                                <a:latin typeface="Cambria Math" panose="02040503050406030204" pitchFamily="18" charset="0"/>
+                              </a:rPr>
+                              <m:t>2</m:t>
+                            </m:r>
+                          </m:sub>
+                        </m:sSub>
+                        <m:r>
+                          <a:rPr lang="en-US" i="1">
+                            <a:solidFill>
+                              <a:schemeClr val="tx1"/>
+                            </a:solidFill>
+                            <a:latin typeface="Cambria Math" panose="02040503050406030204" pitchFamily="18" charset="0"/>
+                          </a:rPr>
+                          <m:t>𝑥</m:t>
+                        </m:r>
+                      </m:e>
+                      <m:sub>
+                        <m:r>
+                          <a:rPr lang="en-US" i="1">
+                            <a:solidFill>
+                              <a:schemeClr val="tx1"/>
+                            </a:solidFill>
+                            <a:latin typeface="Cambria Math" panose="02040503050406030204" pitchFamily="18" charset="0"/>
+                          </a:rPr>
+                          <m:t>2</m:t>
+                        </m:r>
+                      </m:sub>
+                    </m:sSub>
+                    <m:r>
+                      <a:rPr lang="en-US" i="1">
+                        <a:solidFill>
+                          <a:schemeClr val="tx1"/>
+                        </a:solidFill>
+                        <a:latin typeface="Cambria Math" panose="02040503050406030204" pitchFamily="18" charset="0"/>
+                      </a:rPr>
+                      <m:t>+</m:t>
+                    </m:r>
+                    <m:sSub>
+                      <m:sSubPr>
+                        <m:ctrlPr>
+                          <a:rPr lang="en-US" i="1">
+                            <a:solidFill>
+                              <a:schemeClr val="tx1"/>
+                            </a:solidFill>
+                            <a:latin typeface="Cambria Math" panose="02040503050406030204" pitchFamily="18" charset="0"/>
+                          </a:rPr>
+                        </m:ctrlPr>
+                      </m:sSubPr>
+                      <m:e>
+                        <m:sSub>
+                          <m:sSubPr>
+                            <m:ctrlPr>
+                              <a:rPr lang="en-US" i="1">
+                                <a:solidFill>
+                                  <a:schemeClr val="tx1"/>
+                                </a:solidFill>
+                                <a:latin typeface="Cambria Math" panose="02040503050406030204" pitchFamily="18" charset="0"/>
+                              </a:rPr>
+                            </m:ctrlPr>
+                          </m:sSubPr>
+                          <m:e>
+                            <m:r>
+                              <a:rPr lang="en-US" i="1">
+                                <a:solidFill>
+                                  <a:schemeClr val="tx1"/>
+                                </a:solidFill>
+                                <a:latin typeface="Cambria Math" panose="02040503050406030204" pitchFamily="18" charset="0"/>
+                              </a:rPr>
+                              <m:t>𝛽</m:t>
+                            </m:r>
+                          </m:e>
+                          <m:sub>
+                            <m:r>
+                              <a:rPr lang="en-US" i="1">
+                                <a:solidFill>
+                                  <a:schemeClr val="tx1"/>
+                                </a:solidFill>
+                                <a:latin typeface="Cambria Math" panose="02040503050406030204" pitchFamily="18" charset="0"/>
+                              </a:rPr>
+                              <m:t>𝑛</m:t>
+                            </m:r>
+                          </m:sub>
+                        </m:sSub>
+                        <m:r>
+                          <a:rPr lang="en-US" i="1">
+                            <a:solidFill>
+                              <a:schemeClr val="tx1"/>
+                            </a:solidFill>
+                            <a:latin typeface="Cambria Math" panose="02040503050406030204" pitchFamily="18" charset="0"/>
+                          </a:rPr>
+                          <m:t>𝑥</m:t>
+                        </m:r>
+                      </m:e>
+                      <m:sub>
+                        <m:r>
+                          <a:rPr lang="en-US" i="1">
+                            <a:solidFill>
+                              <a:schemeClr val="tx1"/>
+                            </a:solidFill>
+                            <a:latin typeface="Cambria Math" panose="02040503050406030204" pitchFamily="18" charset="0"/>
+                          </a:rPr>
+                          <m:t>𝑛</m:t>
+                        </m:r>
+                      </m:sub>
+                    </m:sSub>
+                    <m:r>
+                      <a:rPr lang="en-US" i="1">
+                        <a:solidFill>
+                          <a:schemeClr val="tx1"/>
+                        </a:solidFill>
+                        <a:latin typeface="Cambria Math" panose="02040503050406030204" pitchFamily="18" charset="0"/>
+                      </a:rPr>
+                      <m:t>+</m:t>
+                    </m:r>
+                    <m:r>
+                      <a:rPr lang="en-US" i="1">
+                        <a:solidFill>
+                          <a:schemeClr val="tx1"/>
+                        </a:solidFill>
+                        <a:latin typeface="Cambria Math" panose="02040503050406030204" pitchFamily="18" charset="0"/>
+                      </a:rPr>
+                      <m:t>𝜀</m:t>
+                    </m:r>
+                  </m:oMath>
+                </a14:m>
+                <a:endParaRPr lang="en-US" dirty="0">
+                  <a:solidFill>
+                    <a:schemeClr val="tx1"/>
+                  </a:solidFill>
+                </a:endParaRPr>
+              </a:p>
+              <a:p>
+                <a:pPr lvl="1"/>
+                <a14:m>
+                  <m:oMath xmlns:m="http://schemas.openxmlformats.org/officeDocument/2006/math">
+                    <m:sSub>
+                      <m:sSubPr>
+                        <m:ctrlPr>
+                          <a:rPr lang="en-US" i="1">
+                            <a:solidFill>
+                              <a:schemeClr val="tx1"/>
+                            </a:solidFill>
+                            <a:latin typeface="Cambria Math" panose="02040503050406030204" pitchFamily="18" charset="0"/>
+                          </a:rPr>
+                        </m:ctrlPr>
+                      </m:sSubPr>
+                      <m:e>
+                        <m:acc>
+                          <m:accPr>
+                            <m:chr m:val="̂"/>
+                            <m:ctrlPr>
+                              <a:rPr lang="en-US" i="1">
+                                <a:solidFill>
+                                  <a:schemeClr val="tx1"/>
+                                </a:solidFill>
+                                <a:latin typeface="Cambria Math" panose="02040503050406030204" pitchFamily="18" charset="0"/>
+                              </a:rPr>
+                            </m:ctrlPr>
+                          </m:accPr>
+                          <m:e>
+                            <m:r>
+                              <a:rPr lang="en-US" i="1">
+                                <a:solidFill>
+                                  <a:schemeClr val="tx1"/>
+                                </a:solidFill>
                                 <a:latin typeface="Cambria Math" panose="02040503050406030204" pitchFamily="18" charset="0"/>
                               </a:rPr>
                               <m:t>𝐴</m:t>
@@ -10324,6 +11371,9 @@
                       <m:sub>
                         <m:r>
                           <a:rPr lang="en-US" i="1">
+                            <a:solidFill>
+                              <a:schemeClr val="tx1"/>
+                            </a:solidFill>
                             <a:latin typeface="Cambria Math" panose="02040503050406030204" pitchFamily="18" charset="0"/>
                           </a:rPr>
                           <m:t>𝐴𝑔𝑒</m:t>
@@ -10332,6 +11382,9 @@
                     </m:sSub>
                     <m:r>
                       <a:rPr lang="en-US" i="1">
+                        <a:solidFill>
+                          <a:schemeClr val="tx1"/>
+                        </a:solidFill>
                         <a:latin typeface="Cambria Math" panose="02040503050406030204" pitchFamily="18" charset="0"/>
                       </a:rPr>
                       <m:t>=</m:t>
@@ -10340,6 +11393,9 @@
                       <m:sSubPr>
                         <m:ctrlPr>
                           <a:rPr lang="en-US" i="1">
+                            <a:solidFill>
+                              <a:schemeClr val="tx1"/>
+                            </a:solidFill>
                             <a:latin typeface="Cambria Math" panose="02040503050406030204" pitchFamily="18" charset="0"/>
                           </a:rPr>
                         </m:ctrlPr>
@@ -10347,6 +11403,9 @@
                       <m:e>
                         <m:r>
                           <a:rPr lang="en-US" i="1">
+                            <a:solidFill>
+                              <a:schemeClr val="tx1"/>
+                            </a:solidFill>
                             <a:latin typeface="Cambria Math" panose="02040503050406030204" pitchFamily="18" charset="0"/>
                           </a:rPr>
                           <m:t>𝛽</m:t>
@@ -10355,6 +11414,9 @@
                       <m:sub>
                         <m:r>
                           <a:rPr lang="en-US" i="1">
+                            <a:solidFill>
+                              <a:schemeClr val="tx1"/>
+                            </a:solidFill>
                             <a:latin typeface="Cambria Math" panose="02040503050406030204" pitchFamily="18" charset="0"/>
                           </a:rPr>
                           <m:t>0</m:t>
@@ -10363,6 +11425,9 @@
                     </m:sSub>
                     <m:r>
                       <a:rPr lang="en-US" i="1">
+                        <a:solidFill>
+                          <a:schemeClr val="tx1"/>
+                        </a:solidFill>
                         <a:latin typeface="Cambria Math" panose="02040503050406030204" pitchFamily="18" charset="0"/>
                       </a:rPr>
                       <m:t>+</m:t>
@@ -10371,6 +11436,9 @@
                       <m:sSubPr>
                         <m:ctrlPr>
                           <a:rPr lang="en-US" i="1">
+                            <a:solidFill>
+                              <a:schemeClr val="tx1"/>
+                            </a:solidFill>
                             <a:latin typeface="Cambria Math" panose="02040503050406030204" pitchFamily="18" charset="0"/>
                           </a:rPr>
                         </m:ctrlPr>
@@ -10380,6 +11448,9 @@
                           <m:sSubPr>
                             <m:ctrlPr>
                               <a:rPr lang="en-US" i="1">
+                                <a:solidFill>
+                                  <a:schemeClr val="tx1"/>
+                                </a:solidFill>
                                 <a:latin typeface="Cambria Math" panose="02040503050406030204" pitchFamily="18" charset="0"/>
                               </a:rPr>
                             </m:ctrlPr>
@@ -10387,6 +11458,9 @@
                           <m:e>
                             <m:r>
                               <a:rPr lang="en-US" i="1">
+                                <a:solidFill>
+                                  <a:schemeClr val="tx1"/>
+                                </a:solidFill>
                                 <a:latin typeface="Cambria Math" panose="02040503050406030204" pitchFamily="18" charset="0"/>
                               </a:rPr>
                               <m:t>𝛽</m:t>
@@ -10395,6 +11469,9 @@
                           <m:sub>
                             <m:r>
                               <a:rPr lang="en-US" i="1">
+                                <a:solidFill>
+                                  <a:schemeClr val="tx1"/>
+                                </a:solidFill>
                                 <a:latin typeface="Cambria Math" panose="02040503050406030204" pitchFamily="18" charset="0"/>
                               </a:rPr>
                               <m:t>1</m:t>
@@ -10403,6 +11480,9 @@
                         </m:sSub>
                         <m:r>
                           <a:rPr lang="en-US" i="1">
+                            <a:solidFill>
+                              <a:schemeClr val="tx1"/>
+                            </a:solidFill>
                             <a:latin typeface="Cambria Math" panose="02040503050406030204" pitchFamily="18" charset="0"/>
                           </a:rPr>
                           <m:t>𝑥</m:t>
@@ -10411,6 +11491,9 @@
                       <m:sub>
                         <m:r>
                           <a:rPr lang="en-US" i="1">
+                            <a:solidFill>
+                              <a:schemeClr val="tx1"/>
+                            </a:solidFill>
                             <a:latin typeface="Cambria Math" panose="02040503050406030204" pitchFamily="18" charset="0"/>
                           </a:rPr>
                           <m:t>1</m:t>
@@ -10419,6 +11502,9 @@
                     </m:sSub>
                     <m:r>
                       <a:rPr lang="en-US" i="1">
+                        <a:solidFill>
+                          <a:schemeClr val="tx1"/>
+                        </a:solidFill>
                         <a:latin typeface="Cambria Math" panose="02040503050406030204" pitchFamily="18" charset="0"/>
                       </a:rPr>
                       <m:t>+</m:t>
@@ -10427,6 +11513,9 @@
                       <m:sSubPr>
                         <m:ctrlPr>
                           <a:rPr lang="en-US" i="1">
+                            <a:solidFill>
+                              <a:schemeClr val="tx1"/>
+                            </a:solidFill>
                             <a:latin typeface="Cambria Math" panose="02040503050406030204" pitchFamily="18" charset="0"/>
                           </a:rPr>
                         </m:ctrlPr>
@@ -10436,6 +11525,9 @@
                           <m:sSubPr>
                             <m:ctrlPr>
                               <a:rPr lang="en-US" i="1">
+                                <a:solidFill>
+                                  <a:schemeClr val="tx1"/>
+                                </a:solidFill>
                                 <a:latin typeface="Cambria Math" panose="02040503050406030204" pitchFamily="18" charset="0"/>
                               </a:rPr>
                             </m:ctrlPr>
@@ -10443,6 +11535,9 @@
                           <m:e>
                             <m:r>
                               <a:rPr lang="en-US" i="1">
+                                <a:solidFill>
+                                  <a:schemeClr val="tx1"/>
+                                </a:solidFill>
                                 <a:latin typeface="Cambria Math" panose="02040503050406030204" pitchFamily="18" charset="0"/>
                               </a:rPr>
                               <m:t>𝛽</m:t>
@@ -10451,6 +11546,9 @@
                           <m:sub>
                             <m:r>
                               <a:rPr lang="en-US" i="1">
+                                <a:solidFill>
+                                  <a:schemeClr val="tx1"/>
+                                </a:solidFill>
                                 <a:latin typeface="Cambria Math" panose="02040503050406030204" pitchFamily="18" charset="0"/>
                               </a:rPr>
                               <m:t>2</m:t>
@@ -10459,6 +11557,9 @@
                         </m:sSub>
                         <m:r>
                           <a:rPr lang="en-US" i="1">
+                            <a:solidFill>
+                              <a:schemeClr val="tx1"/>
+                            </a:solidFill>
                             <a:latin typeface="Cambria Math" panose="02040503050406030204" pitchFamily="18" charset="0"/>
                           </a:rPr>
                           <m:t>𝑥</m:t>
@@ -10467,6 +11568,9 @@
                       <m:sub>
                         <m:r>
                           <a:rPr lang="en-US" i="1">
+                            <a:solidFill>
+                              <a:schemeClr val="tx1"/>
+                            </a:solidFill>
                             <a:latin typeface="Cambria Math" panose="02040503050406030204" pitchFamily="18" charset="0"/>
                           </a:rPr>
                           <m:t>2</m:t>
@@ -10475,6 +11579,9 @@
                     </m:sSub>
                     <m:r>
                       <a:rPr lang="en-US" i="1">
+                        <a:solidFill>
+                          <a:schemeClr val="tx1"/>
+                        </a:solidFill>
                         <a:latin typeface="Cambria Math" panose="02040503050406030204" pitchFamily="18" charset="0"/>
                       </a:rPr>
                       <m:t>+</m:t>
@@ -10483,6 +11590,9 @@
                       <m:sSubPr>
                         <m:ctrlPr>
                           <a:rPr lang="en-US" i="1">
+                            <a:solidFill>
+                              <a:schemeClr val="tx1"/>
+                            </a:solidFill>
                             <a:latin typeface="Cambria Math" panose="02040503050406030204" pitchFamily="18" charset="0"/>
                           </a:rPr>
                         </m:ctrlPr>
@@ -10492,6 +11602,9 @@
                           <m:sSubPr>
                             <m:ctrlPr>
                               <a:rPr lang="en-US" i="1">
+                                <a:solidFill>
+                                  <a:schemeClr val="tx1"/>
+                                </a:solidFill>
                                 <a:latin typeface="Cambria Math" panose="02040503050406030204" pitchFamily="18" charset="0"/>
                               </a:rPr>
                             </m:ctrlPr>
@@ -10499,6 +11612,9 @@
                           <m:e>
                             <m:r>
                               <a:rPr lang="en-US" i="1">
+                                <a:solidFill>
+                                  <a:schemeClr val="tx1"/>
+                                </a:solidFill>
                                 <a:latin typeface="Cambria Math" panose="02040503050406030204" pitchFamily="18" charset="0"/>
                               </a:rPr>
                               <m:t>𝛽</m:t>
@@ -10507,6 +11623,9 @@
                           <m:sub>
                             <m:r>
                               <a:rPr lang="en-US" i="1">
+                                <a:solidFill>
+                                  <a:schemeClr val="tx1"/>
+                                </a:solidFill>
                                 <a:latin typeface="Cambria Math" panose="02040503050406030204" pitchFamily="18" charset="0"/>
                               </a:rPr>
                               <m:t>𝑛</m:t>
@@ -10515,6 +11634,9 @@
                         </m:sSub>
                         <m:r>
                           <a:rPr lang="en-US" i="1">
+                            <a:solidFill>
+                              <a:schemeClr val="tx1"/>
+                            </a:solidFill>
                             <a:latin typeface="Cambria Math" panose="02040503050406030204" pitchFamily="18" charset="0"/>
                           </a:rPr>
                           <m:t>𝑥</m:t>
@@ -10523,6 +11645,9 @@
                       <m:sub>
                         <m:r>
                           <a:rPr lang="en-US" i="1">
+                            <a:solidFill>
+                              <a:schemeClr val="tx1"/>
+                            </a:solidFill>
                             <a:latin typeface="Cambria Math" panose="02040503050406030204" pitchFamily="18" charset="0"/>
                           </a:rPr>
                           <m:t>𝑛</m:t>
@@ -10531,37 +11656,57 @@
                     </m:sSub>
                     <m:r>
                       <a:rPr lang="en-US" i="1">
+                        <a:solidFill>
+                          <a:schemeClr val="tx1"/>
+                        </a:solidFill>
                         <a:latin typeface="Cambria Math" panose="02040503050406030204" pitchFamily="18" charset="0"/>
                       </a:rPr>
                       <m:t>+</m:t>
                     </m:r>
                     <m:r>
                       <a:rPr lang="en-US" i="1">
+                        <a:solidFill>
+                          <a:schemeClr val="tx1"/>
+                        </a:solidFill>
                         <a:latin typeface="Cambria Math" panose="02040503050406030204" pitchFamily="18" charset="0"/>
                       </a:rPr>
                       <m:t>𝜀</m:t>
                     </m:r>
                   </m:oMath>
                 </a14:m>
-                <a:endParaRPr lang="en-US" dirty="0"/>
+                <a:endParaRPr lang="en-US" dirty="0">
+                  <a:solidFill>
+                    <a:schemeClr val="tx1"/>
+                  </a:solidFill>
+                </a:endParaRPr>
               </a:p>
               <a:p>
+                <a:pPr lvl="1"/>
                 <a14:m>
                   <m:oMath xmlns:m="http://schemas.openxmlformats.org/officeDocument/2006/math">
                     <m:r>
                       <a:rPr lang="en-US" i="1">
+                        <a:solidFill>
+                          <a:schemeClr val="tx1"/>
+                        </a:solidFill>
                         <a:latin typeface="Cambria Math" panose="02040503050406030204" pitchFamily="18" charset="0"/>
                       </a:rPr>
                       <m:t>𝐿𝑜𝑠𝑠</m:t>
                     </m:r>
                     <m:r>
                       <a:rPr lang="en-US" i="1">
+                        <a:solidFill>
+                          <a:schemeClr val="tx1"/>
+                        </a:solidFill>
                         <a:latin typeface="Cambria Math" panose="02040503050406030204" pitchFamily="18" charset="0"/>
                       </a:rPr>
                       <m:t>=−</m:t>
                     </m:r>
                     <m:r>
                       <a:rPr lang="en-US" i="1">
+                        <a:solidFill>
+                          <a:schemeClr val="tx1"/>
+                        </a:solidFill>
                         <a:latin typeface="Cambria Math" panose="02040503050406030204" pitchFamily="18" charset="0"/>
                       </a:rPr>
                       <m:t>𝛼</m:t>
@@ -10572,6 +11717,9 @@
                         <m:limLoc m:val="undOvr"/>
                         <m:ctrlPr>
                           <a:rPr lang="en-US" i="1">
+                            <a:solidFill>
+                              <a:schemeClr val="tx1"/>
+                            </a:solidFill>
                             <a:latin typeface="Cambria Math" panose="02040503050406030204" pitchFamily="18" charset="0"/>
                           </a:rPr>
                         </m:ctrlPr>
@@ -10579,12 +11727,18 @@
                       <m:sub>
                         <m:r>
                           <a:rPr lang="en-US" i="1">
+                            <a:solidFill>
+                              <a:schemeClr val="tx1"/>
+                            </a:solidFill>
                             <a:latin typeface="Cambria Math" panose="02040503050406030204" pitchFamily="18" charset="0"/>
                           </a:rPr>
                           <m:t>𝑖</m:t>
                         </m:r>
                         <m:r>
                           <a:rPr lang="en-US" i="1">
+                            <a:solidFill>
+                              <a:schemeClr val="tx1"/>
+                            </a:solidFill>
                             <a:latin typeface="Cambria Math" panose="02040503050406030204" pitchFamily="18" charset="0"/>
                           </a:rPr>
                           <m:t>=1</m:t>
@@ -10593,6 +11747,9 @@
                       <m:sup>
                         <m:r>
                           <a:rPr lang="en-US" i="1">
+                            <a:solidFill>
+                              <a:schemeClr val="tx1"/>
+                            </a:solidFill>
                             <a:latin typeface="Cambria Math" panose="02040503050406030204" pitchFamily="18" charset="0"/>
                           </a:rPr>
                           <m:t>𝑛</m:t>
@@ -10603,6 +11760,9 @@
                           <m:sSupPr>
                             <m:ctrlPr>
                               <a:rPr lang="en-US" i="1">
+                                <a:solidFill>
+                                  <a:schemeClr val="tx1"/>
+                                </a:solidFill>
                                 <a:latin typeface="Cambria Math" panose="02040503050406030204" pitchFamily="18" charset="0"/>
                               </a:rPr>
                             </m:ctrlPr>
@@ -10610,6 +11770,9 @@
                           <m:e>
                             <m:r>
                               <a:rPr lang="en-US" i="1">
+                                <a:solidFill>
+                                  <a:schemeClr val="tx1"/>
+                                </a:solidFill>
                                 <a:latin typeface="Cambria Math" panose="02040503050406030204" pitchFamily="18" charset="0"/>
                               </a:rPr>
                               <m:t>(</m:t>
@@ -10618,6 +11781,9 @@
                               <m:sSubPr>
                                 <m:ctrlPr>
                                   <a:rPr lang="en-US" i="1">
+                                    <a:solidFill>
+                                      <a:schemeClr val="tx1"/>
+                                    </a:solidFill>
                                     <a:latin typeface="Cambria Math" panose="02040503050406030204" pitchFamily="18" charset="0"/>
                                   </a:rPr>
                                 </m:ctrlPr>
@@ -10625,6 +11791,9 @@
                               <m:e>
                                 <m:r>
                                   <a:rPr lang="en-US" i="1">
+                                    <a:solidFill>
+                                      <a:schemeClr val="tx1"/>
+                                    </a:solidFill>
                                     <a:latin typeface="Cambria Math" panose="02040503050406030204" pitchFamily="18" charset="0"/>
                                   </a:rPr>
                                   <m:t>𝑌</m:t>
@@ -10633,6 +11802,9 @@
                               <m:sub>
                                 <m:r>
                                   <a:rPr lang="en-US" i="1">
+                                    <a:solidFill>
+                                      <a:schemeClr val="tx1"/>
+                                    </a:solidFill>
                                     <a:latin typeface="Cambria Math" panose="02040503050406030204" pitchFamily="18" charset="0"/>
                                   </a:rPr>
                                   <m:t>𝑖</m:t>
@@ -10641,6 +11813,9 @@
                             </m:sSub>
                             <m:r>
                               <a:rPr lang="en-US" i="1">
+                                <a:solidFill>
+                                  <a:schemeClr val="tx1"/>
+                                </a:solidFill>
                                 <a:latin typeface="Cambria Math" panose="02040503050406030204" pitchFamily="18" charset="0"/>
                               </a:rPr>
                               <m:t>−</m:t>
@@ -10649,6 +11824,9 @@
                               <m:sSubPr>
                                 <m:ctrlPr>
                                   <a:rPr lang="en-US" i="1">
+                                    <a:solidFill>
+                                      <a:schemeClr val="tx1"/>
+                                    </a:solidFill>
                                     <a:latin typeface="Cambria Math" panose="02040503050406030204" pitchFamily="18" charset="0"/>
                                   </a:rPr>
                                 </m:ctrlPr>
@@ -10659,6 +11837,9 @@
                                     <m:chr m:val="̂"/>
                                     <m:ctrlPr>
                                       <a:rPr lang="en-US" i="1">
+                                        <a:solidFill>
+                                          <a:schemeClr val="tx1"/>
+                                        </a:solidFill>
                                         <a:latin typeface="Cambria Math" panose="02040503050406030204" pitchFamily="18" charset="0"/>
                                       </a:rPr>
                                     </m:ctrlPr>
@@ -10666,6 +11847,9 @@
                                   <m:e>
                                     <m:r>
                                       <a:rPr lang="en-US" i="1">
+                                        <a:solidFill>
+                                          <a:schemeClr val="tx1"/>
+                                        </a:solidFill>
                                         <a:latin typeface="Cambria Math" panose="02040503050406030204" pitchFamily="18" charset="0"/>
                                       </a:rPr>
                                       <m:t>𝑌</m:t>
@@ -10676,6 +11860,9 @@
                               <m:sub>
                                 <m:r>
                                   <a:rPr lang="en-US" i="1">
+                                    <a:solidFill>
+                                      <a:schemeClr val="tx1"/>
+                                    </a:solidFill>
                                     <a:latin typeface="Cambria Math" panose="02040503050406030204" pitchFamily="18" charset="0"/>
                                   </a:rPr>
                                   <m:t>𝑖</m:t>
@@ -10684,6 +11871,9 @@
                             </m:sSub>
                             <m:r>
                               <a:rPr lang="en-US" i="1">
+                                <a:solidFill>
+                                  <a:schemeClr val="tx1"/>
+                                </a:solidFill>
                                 <a:latin typeface="Cambria Math" panose="02040503050406030204" pitchFamily="18" charset="0"/>
                               </a:rPr>
                               <m:t>)</m:t>
@@ -10692,6 +11882,9 @@
                           <m:sup>
                             <m:r>
                               <a:rPr lang="en-US" i="1">
+                                <a:solidFill>
+                                  <a:schemeClr val="tx1"/>
+                                </a:solidFill>
                                 <a:latin typeface="Cambria Math" panose="02040503050406030204" pitchFamily="18" charset="0"/>
                               </a:rPr>
                               <m:t>2</m:t>
@@ -10702,12 +11895,16 @@
                     </m:nary>
                   </m:oMath>
                 </a14:m>
-                <a:endParaRPr lang="en-US" dirty="0"/>
+                <a:endParaRPr lang="en-US" dirty="0">
+                  <a:solidFill>
+                    <a:schemeClr val="tx1"/>
+                  </a:solidFill>
+                </a:endParaRPr>
               </a:p>
             </p:txBody>
           </p:sp>
         </mc:Choice>
-        <mc:Fallback xmlns="">
+        <mc:Fallback>
           <p:sp>
             <p:nvSpPr>
               <p:cNvPr id="3" name="Content Placeholder 2"/>
@@ -10720,7 +11917,7 @@
             </p:nvSpPr>
             <p:spPr>
               <a:blipFill>
-                <a:blip r:embed="rId2"/>
+                <a:blip r:embed="rId3"/>
                 <a:stretch>
                   <a:fillRect l="-1777" t="-2941"/>
                 </a:stretch>
@@ -10774,12 +11971,12 @@
   <p:clrMapOvr>
     <a:masterClrMapping/>
   </p:clrMapOvr>
-  <mc:AlternateContent xmlns:mc="http://schemas.openxmlformats.org/markup-compatibility/2006" xmlns:p14="http://schemas.microsoft.com/office/powerpoint/2010/main">
-    <mc:Choice Requires="p14">
-      <p:transition p14:dur="0" advClick="0" advTm="15000"/>
+  <mc:AlternateContent xmlns:mc="http://schemas.openxmlformats.org/markup-compatibility/2006">
+    <mc:Choice xmlns:p14="http://schemas.microsoft.com/office/powerpoint/2010/main" Requires="p14">
+      <p:transition p14:dur="0" advClick="0" advTm="45000"/>
     </mc:Choice>
-    <mc:Fallback xmlns="">
-      <p:transition advClick="0" advTm="15000"/>
+    <mc:Fallback>
+      <p:transition advClick="0" advTm="45000"/>
     </mc:Fallback>
   </mc:AlternateContent>
 </p:sld>
@@ -13117,11 +14314,11 @@
   <p:clrMapOvr>
     <a:masterClrMapping/>
   </p:clrMapOvr>
-  <mc:AlternateContent xmlns:mc="http://schemas.openxmlformats.org/markup-compatibility/2006">
-    <mc:Choice xmlns:p14="http://schemas.microsoft.com/office/powerpoint/2010/main" Requires="p14">
+  <mc:AlternateContent xmlns:mc="http://schemas.openxmlformats.org/markup-compatibility/2006" xmlns:p14="http://schemas.microsoft.com/office/powerpoint/2010/main">
+    <mc:Choice Requires="p14">
       <p:transition p14:dur="0" advClick="0" advTm="15000"/>
     </mc:Choice>
-    <mc:Fallback>
+    <mc:Fallback xmlns="">
       <p:transition advClick="0" advTm="15000"/>
     </mc:Fallback>
   </mc:AlternateContent>
@@ -13184,7 +14381,7 @@
           </p:nvPr>
         </p:nvPicPr>
         <p:blipFill>
-          <a:blip r:embed="rId2"/>
+          <a:blip r:embed="rId3"/>
           <a:stretch>
             <a:fillRect/>
           </a:stretch>
@@ -13237,7 +14434,7 @@
           <p:nvPr/>
         </p:nvPicPr>
         <p:blipFill>
-          <a:blip r:embed="rId3"/>
+          <a:blip r:embed="rId4"/>
           <a:stretch>
             <a:fillRect/>
           </a:stretch>
@@ -13267,7 +14464,7 @@
           <p:nvPr/>
         </p:nvPicPr>
         <p:blipFill>
-          <a:blip r:embed="rId4"/>
+          <a:blip r:embed="rId5"/>
           <a:stretch>
             <a:fillRect/>
           </a:stretch>
@@ -13480,7 +14677,7 @@
             </a:pPr>
             <a:r>
               <a:rPr lang="en-US" sz="800">
-                <a:hlinkClick r:id="rId5"/>
+                <a:hlinkClick r:id="rId6"/>
               </a:rPr>
               <a:t>https://ya-webdesign.com/imgdownload.html</a:t>
             </a:r>
@@ -13536,19 +14733,19 @@
   <p:clrMapOvr>
     <a:masterClrMapping/>
   </p:clrMapOvr>
-  <mc:AlternateContent xmlns:mc="http://schemas.openxmlformats.org/markup-compatibility/2006" xmlns:p14="http://schemas.microsoft.com/office/powerpoint/2010/main">
-    <mc:Choice Requires="p14">
-      <p:transition p14:dur="0" advClick="0" advTm="15000"/>
+  <mc:AlternateContent xmlns:mc="http://schemas.openxmlformats.org/markup-compatibility/2006">
+    <mc:Choice xmlns:p14="http://schemas.microsoft.com/office/powerpoint/2010/main" Requires="p14">
+      <p:transition p14:dur="10" advClick="0" advTm="30000"/>
     </mc:Choice>
-    <mc:Fallback xmlns="">
-      <p:transition advClick="0" advTm="15000"/>
+    <mc:Fallback>
+      <p:transition advClick="0" advTm="30000"/>
     </mc:Fallback>
   </mc:AlternateContent>
 </p:sld>
 </file>
 
 <file path=ppt/slides/slide9.xml><?xml version="1.0" encoding="utf-8"?>
-<p:sld xmlns:a="http://schemas.openxmlformats.org/drawingml/2006/main" xmlns:r="http://schemas.openxmlformats.org/officeDocument/2006/relationships" xmlns:p="http://schemas.openxmlformats.org/presentationml/2006/main">
+<p:sld xmlns:a="http://schemas.openxmlformats.org/drawingml/2006/main" xmlns:r="http://schemas.openxmlformats.org/officeDocument/2006/relationships" xmlns:p="http://schemas.openxmlformats.org/presentationml/2006/main" show="0">
   <p:cSld>
     <p:spTree>
       <p:nvGrpSpPr>
@@ -13685,11 +14882,11 @@
   <p:clrMapOvr>
     <a:masterClrMapping/>
   </p:clrMapOvr>
-  <mc:AlternateContent xmlns:mc="http://schemas.openxmlformats.org/markup-compatibility/2006" xmlns:p14="http://schemas.microsoft.com/office/powerpoint/2010/main">
-    <mc:Choice Requires="p14">
+  <mc:AlternateContent xmlns:mc="http://schemas.openxmlformats.org/markup-compatibility/2006">
+    <mc:Choice xmlns:p14="http://schemas.microsoft.com/office/powerpoint/2010/main" Requires="p14">
       <p:transition p14:dur="0" advClick="0" advTm="15000"/>
     </mc:Choice>
-    <mc:Fallback xmlns="">
+    <mc:Fallback>
       <p:transition advClick="0" advTm="15000"/>
     </mc:Fallback>
   </mc:AlternateContent>

--- a/AdversarialBiasPresentation Steven+Solange+Nicole.pptx
+++ b/AdversarialBiasPresentation Steven+Solange+Nicole.pptx
@@ -25,10 +25,10 @@
     <p:sldId id="262" r:id="rId16"/>
     <p:sldId id="263" r:id="rId17"/>
     <p:sldId id="264" r:id="rId18"/>
-    <p:sldId id="265" r:id="rId19"/>
-    <p:sldId id="275" r:id="rId20"/>
-    <p:sldId id="268" r:id="rId21"/>
-    <p:sldId id="276" r:id="rId22"/>
+    <p:sldId id="277" r:id="rId19"/>
+    <p:sldId id="278" r:id="rId20"/>
+    <p:sldId id="279" r:id="rId21"/>
+    <p:sldId id="280" r:id="rId22"/>
   </p:sldIdLst>
   <p:sldSz cx="9144000" cy="6858000" type="screen4x3"/>
   <p:notesSz cx="6858000" cy="9144000"/>
@@ -5353,7 +5353,7 @@
           <a:p>
             <a:fld id="{935336F5-A68D-9A4A-83AB-B8CD6FA5C732}" type="datetimeFigureOut">
               <a:rPr lang="en-US" smtClean="0"/>
-              <a:t>7/8/2020</a:t>
+              <a:t>7/9/2020</a:t>
             </a:fld>
             <a:endParaRPr lang="en-US"/>
           </a:p>
@@ -6364,6 +6364,90 @@
 </p:notes>
 </file>
 
+<file path=ppt/notesSlides/notesSlide6.xml><?xml version="1.0" encoding="utf-8"?>
+<p:notes xmlns:a="http://schemas.openxmlformats.org/drawingml/2006/main" xmlns:r="http://schemas.openxmlformats.org/officeDocument/2006/relationships" xmlns:p="http://schemas.openxmlformats.org/presentationml/2006/main">
+  <p:cSld>
+    <p:spTree>
+      <p:nvGrpSpPr>
+        <p:cNvPr id="1" name=""/>
+        <p:cNvGrpSpPr/>
+        <p:nvPr/>
+      </p:nvGrpSpPr>
+      <p:grpSpPr>
+        <a:xfrm>
+          <a:off x="0" y="0"/>
+          <a:ext cx="0" cy="0"/>
+          <a:chOff x="0" y="0"/>
+          <a:chExt cx="0" cy="0"/>
+        </a:xfrm>
+      </p:grpSpPr>
+      <p:sp>
+        <p:nvSpPr>
+          <p:cNvPr id="2" name="Slide Image Placeholder 1"/>
+          <p:cNvSpPr>
+            <a:spLocks noGrp="1" noRot="1" noChangeAspect="1"/>
+          </p:cNvSpPr>
+          <p:nvPr>
+            <p:ph type="sldImg"/>
+          </p:nvPr>
+        </p:nvSpPr>
+        <p:spPr/>
+      </p:sp>
+      <p:sp>
+        <p:nvSpPr>
+          <p:cNvPr id="3" name="Notes Placeholder 2"/>
+          <p:cNvSpPr>
+            <a:spLocks noGrp="1"/>
+          </p:cNvSpPr>
+          <p:nvPr>
+            <p:ph type="body" idx="1"/>
+          </p:nvPr>
+        </p:nvSpPr>
+        <p:spPr/>
+        <p:txBody>
+          <a:bodyPr/>
+          <a:lstStyle/>
+          <a:p>
+            <a:endParaRPr lang="en-US" dirty="0"/>
+          </a:p>
+        </p:txBody>
+      </p:sp>
+      <p:sp>
+        <p:nvSpPr>
+          <p:cNvPr id="4" name="Slide Number Placeholder 3"/>
+          <p:cNvSpPr>
+            <a:spLocks noGrp="1"/>
+          </p:cNvSpPr>
+          <p:nvPr>
+            <p:ph type="sldNum" sz="quarter" idx="5"/>
+          </p:nvPr>
+        </p:nvSpPr>
+        <p:spPr/>
+        <p:txBody>
+          <a:bodyPr/>
+          <a:lstStyle/>
+          <a:p>
+            <a:fld id="{BAA9633A-392A-4347-9D1C-FF5FFE9476B1}" type="slidenum">
+              <a:rPr lang="en-US" smtClean="0"/>
+              <a:t>20</a:t>
+            </a:fld>
+            <a:endParaRPr lang="en-US"/>
+          </a:p>
+        </p:txBody>
+      </p:sp>
+    </p:spTree>
+    <p:extLst>
+      <p:ext uri="{BB962C8B-B14F-4D97-AF65-F5344CB8AC3E}">
+        <p14:creationId xmlns:p14="http://schemas.microsoft.com/office/powerpoint/2010/main" val="740162289"/>
+      </p:ext>
+    </p:extLst>
+  </p:cSld>
+  <p:clrMapOvr>
+    <a:masterClrMapping/>
+  </p:clrMapOvr>
+</p:notes>
+</file>
+
 <file path=ppt/slideLayouts/slideLayout1.xml><?xml version="1.0" encoding="utf-8"?>
 <p:sldLayout xmlns:a="http://schemas.openxmlformats.org/drawingml/2006/main" xmlns:r="http://schemas.openxmlformats.org/officeDocument/2006/relationships" xmlns:p="http://schemas.openxmlformats.org/presentationml/2006/main" type="title" preserve="1">
   <p:cSld name="Title Slide">
@@ -6662,7 +6746,7 @@
           <a:p>
             <a:fld id="{D8AC05B1-2526-7C44-8A74-66C916069F4A}" type="datetime1">
               <a:rPr lang="en-US" smtClean="0"/>
-              <a:t>7/8/2020</a:t>
+              <a:t>7/9/2020</a:t>
             </a:fld>
             <a:endParaRPr lang="en-US"/>
           </a:p>
@@ -6853,7 +6937,7 @@
           <a:p>
             <a:fld id="{C0E5C021-D243-504D-84B8-D45D829E8B6B}" type="datetime1">
               <a:rPr lang="en-US" smtClean="0"/>
-              <a:t>7/8/2020</a:t>
+              <a:t>7/9/2020</a:t>
             </a:fld>
             <a:endParaRPr lang="en-US"/>
           </a:p>
@@ -7034,7 +7118,7 @@
           <a:p>
             <a:fld id="{B6F93F85-28A1-8344-9763-EF19E19F9128}" type="datetime1">
               <a:rPr lang="en-US" smtClean="0"/>
-              <a:t>7/8/2020</a:t>
+              <a:t>7/9/2020</a:t>
             </a:fld>
             <a:endParaRPr lang="en-US"/>
           </a:p>
@@ -7298,7 +7382,7 @@
           <a:p>
             <a:fld id="{A2B5E9FB-9AD4-754B-A772-6D3733DD5BAC}" type="datetime1">
               <a:rPr lang="en-US" smtClean="0"/>
-              <a:t>7/8/2020</a:t>
+              <a:t>7/9/2020</a:t>
             </a:fld>
             <a:endParaRPr lang="en-US"/>
           </a:p>
@@ -7541,7 +7625,7 @@
           <a:p>
             <a:fld id="{3140DF9E-9222-EE48-A64D-28DE5FAE4784}" type="datetime1">
               <a:rPr lang="en-US" smtClean="0"/>
-              <a:t>7/8/2020</a:t>
+              <a:t>7/9/2020</a:t>
             </a:fld>
             <a:endParaRPr lang="en-US"/>
           </a:p>
@@ -7919,7 +8003,7 @@
           <a:p>
             <a:fld id="{A61490FA-57A5-0041-9FDC-ACD83A9AA0E7}" type="datetime1">
               <a:rPr lang="en-US" smtClean="0"/>
-              <a:t>7/8/2020</a:t>
+              <a:t>7/9/2020</a:t>
             </a:fld>
             <a:endParaRPr lang="en-US"/>
           </a:p>
@@ -8048,7 +8132,7 @@
           <a:p>
             <a:fld id="{7E8290BC-2F66-E549-BF33-0BE20A5801B5}" type="datetime1">
               <a:rPr lang="en-US" smtClean="0"/>
-              <a:t>7/8/2020</a:t>
+              <a:t>7/9/2020</a:t>
             </a:fld>
             <a:endParaRPr lang="en-US"/>
           </a:p>
@@ -8154,7 +8238,7 @@
           <a:p>
             <a:fld id="{3BC728CC-7587-8545-9431-C9A8BB34EC62}" type="datetime1">
               <a:rPr lang="en-US" smtClean="0"/>
-              <a:t>7/8/2020</a:t>
+              <a:t>7/9/2020</a:t>
             </a:fld>
             <a:endParaRPr lang="en-US"/>
           </a:p>
@@ -8442,7 +8526,7 @@
           <a:p>
             <a:fld id="{9A66CD15-5422-0542-9CE8-BC312846333A}" type="datetime1">
               <a:rPr lang="en-US" smtClean="0"/>
-              <a:t>7/8/2020</a:t>
+              <a:t>7/9/2020</a:t>
             </a:fld>
             <a:endParaRPr lang="en-US"/>
           </a:p>
@@ -8710,7 +8794,7 @@
           <a:p>
             <a:fld id="{2A2384D1-AE54-4D4A-B83F-6EAD03BEB987}" type="datetime1">
               <a:rPr lang="en-US" smtClean="0"/>
-              <a:t>7/8/2020</a:t>
+              <a:t>7/9/2020</a:t>
             </a:fld>
             <a:endParaRPr lang="en-US"/>
           </a:p>
@@ -9925,11 +10009,11 @@
   <p:clrMapOvr>
     <a:masterClrMapping/>
   </p:clrMapOvr>
-  <mc:AlternateContent xmlns:mc="http://schemas.openxmlformats.org/markup-compatibility/2006">
-    <mc:Choice xmlns:p14="http://schemas.microsoft.com/office/powerpoint/2010/main" Requires="p14">
+  <mc:AlternateContent xmlns:mc="http://schemas.openxmlformats.org/markup-compatibility/2006" xmlns:p14="http://schemas.microsoft.com/office/powerpoint/2010/main">
+    <mc:Choice Requires="p14">
       <p:transition p14:dur="0" advClick="0" advTm="20000"/>
     </mc:Choice>
-    <mc:Fallback>
+    <mc:Fallback xmlns="">
       <p:transition advClick="0" advTm="20000"/>
     </mc:Fallback>
   </mc:AlternateContent>
@@ -10115,11 +10199,11 @@
   <p:clrMapOvr>
     <a:masterClrMapping/>
   </p:clrMapOvr>
-  <mc:AlternateContent xmlns:mc="http://schemas.openxmlformats.org/markup-compatibility/2006">
-    <mc:Choice xmlns:p14="http://schemas.microsoft.com/office/powerpoint/2010/main" Requires="p14">
+  <mc:AlternateContent xmlns:mc="http://schemas.openxmlformats.org/markup-compatibility/2006" xmlns:p14="http://schemas.microsoft.com/office/powerpoint/2010/main">
+    <mc:Choice Requires="p14">
       <p:transition p14:dur="10" advClick="0" advTm="25000"/>
     </mc:Choice>
-    <mc:Fallback>
+    <mc:Fallback xmlns="">
       <p:transition advClick="0" advTm="25000"/>
     </mc:Fallback>
   </mc:AlternateContent>
@@ -10527,11 +10611,11 @@
   <p:clrMapOvr>
     <a:masterClrMapping/>
   </p:clrMapOvr>
-  <mc:AlternateContent xmlns:mc="http://schemas.openxmlformats.org/markup-compatibility/2006">
-    <mc:Choice xmlns:p14="http://schemas.microsoft.com/office/powerpoint/2010/main" Requires="p14">
+  <mc:AlternateContent xmlns:mc="http://schemas.openxmlformats.org/markup-compatibility/2006" xmlns:p14="http://schemas.microsoft.com/office/powerpoint/2010/main">
+    <mc:Choice Requires="p14">
       <p:transition p14:dur="0" advClick="0" advTm="15000"/>
     </mc:Choice>
-    <mc:Fallback>
+    <mc:Fallback xmlns="">
       <p:transition advClick="0" advTm="15000"/>
     </mc:Fallback>
   </mc:AlternateContent>
@@ -10577,8 +10661,8 @@
           </a:p>
         </p:txBody>
       </p:sp>
-      <mc:AlternateContent xmlns:mc="http://schemas.openxmlformats.org/markup-compatibility/2006">
-        <mc:Choice xmlns:a14="http://schemas.microsoft.com/office/drawing/2010/main" Requires="a14">
+      <mc:AlternateContent xmlns:mc="http://schemas.openxmlformats.org/markup-compatibility/2006" xmlns:a14="http://schemas.microsoft.com/office/drawing/2010/main">
+        <mc:Choice Requires="a14">
           <p:sp>
             <p:nvSpPr>
               <p:cNvPr id="3" name="Content Placeholder 2"/>
@@ -11904,7 +11988,7 @@
             </p:txBody>
           </p:sp>
         </mc:Choice>
-        <mc:Fallback>
+        <mc:Fallback xmlns="">
           <p:sp>
             <p:nvSpPr>
               <p:cNvPr id="3" name="Content Placeholder 2"/>
@@ -11971,11 +12055,11 @@
   <p:clrMapOvr>
     <a:masterClrMapping/>
   </p:clrMapOvr>
-  <mc:AlternateContent xmlns:mc="http://schemas.openxmlformats.org/markup-compatibility/2006">
-    <mc:Choice xmlns:p14="http://schemas.microsoft.com/office/powerpoint/2010/main" Requires="p14">
+  <mc:AlternateContent xmlns:mc="http://schemas.openxmlformats.org/markup-compatibility/2006" xmlns:p14="http://schemas.microsoft.com/office/powerpoint/2010/main">
+    <mc:Choice Requires="p14">
       <p:transition p14:dur="0" advClick="0" advTm="45000"/>
     </mc:Choice>
-    <mc:Fallback>
+    <mc:Fallback xmlns="">
       <p:transition advClick="0" advTm="45000"/>
     </mc:Fallback>
   </mc:AlternateContent>
@@ -12546,17 +12630,20 @@
         </p:nvSpPr>
         <p:spPr>
           <a:xfrm>
-            <a:off x="628650" y="365126"/>
-            <a:ext cx="7886700" cy="669017"/>
+            <a:off x="628650" y="143432"/>
+            <a:ext cx="7886700" cy="498594"/>
           </a:xfrm>
         </p:spPr>
         <p:txBody>
-          <a:bodyPr/>
+          <a:bodyPr>
+            <a:normAutofit fontScale="90000"/>
+          </a:bodyPr>
           <a:lstStyle/>
           <a:p>
+            <a:pPr algn="l"/>
             <a:r>
               <a:rPr lang="en-US" dirty="0"/>
-              <a:t>Conclusion</a:t>
+              <a:t>Experiment Results - Accuracy</a:t>
             </a:r>
           </a:p>
         </p:txBody>
@@ -12573,8 +12660,8 @@
         </p:nvSpPr>
         <p:spPr>
           <a:xfrm>
-            <a:off x="391886" y="1382486"/>
-            <a:ext cx="8382000" cy="4794477"/>
+            <a:off x="628649" y="1235678"/>
+            <a:ext cx="8155427" cy="4769706"/>
           </a:xfrm>
         </p:spPr>
         <p:txBody>
@@ -12584,28 +12671,55 @@
           <a:lstStyle/>
           <a:p>
             <a:r>
-              <a:rPr lang="en-US" sz="2800" dirty="0"/>
-              <a:t>Based on the comparative analysis executed  between the baseline model and the GAN model, we think demographic parity was achieved </a:t>
-            </a:r>
-          </a:p>
-          <a:p>
-            <a:endParaRPr lang="en-US" sz="2800" dirty="0"/>
-          </a:p>
-          <a:p>
-            <a:r>
-              <a:rPr lang="en-US" sz="2800" dirty="0"/>
-              <a:t>We noticed that most of adversarial debiasing was focused on protected groups such as race, sex and gender bias. </a:t>
-            </a:r>
+              <a:rPr lang="en-US" sz="2400" dirty="0"/>
+              <a:t>Accuracy from the GAN model was compared to the baseline model</a:t>
+            </a:r>
+          </a:p>
+          <a:p>
+            <a:endParaRPr lang="en-US" sz="2400" dirty="0"/>
+          </a:p>
+          <a:p>
+            <a:pPr marL="0" indent="0">
+              <a:buNone/>
+            </a:pPr>
             <a:br>
-              <a:rPr lang="en-US" sz="2800" dirty="0"/>
+              <a:rPr lang="en-US" sz="2400" dirty="0"/>
             </a:br>
-            <a:endParaRPr lang="en-US" sz="2800" dirty="0"/>
-          </a:p>
-          <a:p>
-            <a:r>
-              <a:rPr lang="en-US" sz="2800" dirty="0"/>
-              <a:t>The focus of our study was Age, and how we can prevent age bias in deep learning models results </a:t>
-            </a:r>
+            <a:endParaRPr lang="en-US" sz="2400" dirty="0"/>
+          </a:p>
+          <a:p>
+            <a:r>
+              <a:rPr lang="en-US" sz="2400" dirty="0"/>
+              <a:t>Accuracy in both models was expected to be similar</a:t>
+            </a:r>
+          </a:p>
+          <a:p>
+            <a:pPr lvl="1"/>
+            <a:r>
+              <a:rPr lang="en-US" sz="2000" dirty="0"/>
+              <a:t>Groups less than 35 and our older population over 50, resulted in a lower accuracy on Attrition</a:t>
+            </a:r>
+          </a:p>
+          <a:p>
+            <a:pPr lvl="2"/>
+            <a:r>
+              <a:rPr lang="en-US" sz="2000" dirty="0"/>
+              <a:t>Attributed this to the fact that the data set had a larger population in the middle age groups</a:t>
+            </a:r>
+            <a:br>
+              <a:rPr lang="en-US" dirty="0"/>
+            </a:br>
+            <a:endParaRPr lang="en-US" dirty="0"/>
+          </a:p>
+          <a:p>
+            <a:r>
+              <a:rPr lang="en-US" sz="2400" dirty="0"/>
+              <a:t>Yet accuracy from GAN model, as expected, was lower</a:t>
+            </a:r>
+          </a:p>
+          <a:p>
+            <a:pPr lvl="1"/>
+            <a:endParaRPr lang="en-US" dirty="0"/>
           </a:p>
         </p:txBody>
       </p:sp>
@@ -12632,21 +12746,51 @@
           </a:p>
         </p:txBody>
       </p:sp>
+      <p:pic>
+        <p:nvPicPr>
+          <p:cNvPr id="5" name="Picture 4">
+            <a:extLst>
+              <a:ext uri="{FF2B5EF4-FFF2-40B4-BE49-F238E27FC236}">
+                <a16:creationId xmlns:a16="http://schemas.microsoft.com/office/drawing/2014/main" id="{79DD9054-644A-4B54-963C-B23834ABD79A}"/>
+              </a:ext>
+            </a:extLst>
+          </p:cNvPr>
+          <p:cNvPicPr>
+            <a:picLocks noChangeAspect="1"/>
+          </p:cNvPicPr>
+          <p:nvPr/>
+        </p:nvPicPr>
+        <p:blipFill>
+          <a:blip r:embed="rId2"/>
+          <a:stretch>
+            <a:fillRect/>
+          </a:stretch>
+        </p:blipFill>
+        <p:spPr>
+          <a:xfrm>
+            <a:off x="1346885" y="1886768"/>
+            <a:ext cx="6796989" cy="1123769"/>
+          </a:xfrm>
+          <a:prstGeom prst="rect">
+            <a:avLst/>
+          </a:prstGeom>
+        </p:spPr>
+      </p:pic>
     </p:spTree>
     <p:extLst>
       <p:ext uri="{BB962C8B-B14F-4D97-AF65-F5344CB8AC3E}">
-        <p14:creationId xmlns:p14="http://schemas.microsoft.com/office/powerpoint/2010/main" val="1958255850"/>
+        <p14:creationId xmlns:p14="http://schemas.microsoft.com/office/powerpoint/2010/main" val="2630657131"/>
       </p:ext>
     </p:extLst>
   </p:cSld>
   <p:clrMapOvr>
     <a:masterClrMapping/>
   </p:clrMapOvr>
-  <mc:AlternateContent xmlns:mc="http://schemas.openxmlformats.org/markup-compatibility/2006" xmlns:p14="http://schemas.microsoft.com/office/powerpoint/2010/main">
-    <mc:Choice Requires="p14">
-      <p:transition p14:dur="0" advClick="0" advTm="15000"/>
+  <mc:AlternateContent xmlns:mc="http://schemas.openxmlformats.org/markup-compatibility/2006">
+    <mc:Choice xmlns:p14="http://schemas.microsoft.com/office/powerpoint/2010/main" Requires="p14">
+      <p:transition p14:dur="10" advClick="0" advTm="15000"/>
     </mc:Choice>
-    <mc:Fallback xmlns="">
+    <mc:Fallback>
       <p:transition advClick="0" advTm="15000"/>
     </mc:Fallback>
   </mc:AlternateContent>
@@ -12672,28 +12816,6 @@
       </p:grpSpPr>
       <p:sp>
         <p:nvSpPr>
-          <p:cNvPr id="2" name="Title 1"/>
-          <p:cNvSpPr>
-            <a:spLocks noGrp="1"/>
-          </p:cNvSpPr>
-          <p:nvPr>
-            <p:ph type="title"/>
-          </p:nvPr>
-        </p:nvSpPr>
-        <p:spPr/>
-        <p:txBody>
-          <a:bodyPr/>
-          <a:lstStyle/>
-          <a:p>
-            <a:r>
-              <a:rPr lang="en-US" dirty="0"/>
-              <a:t>Conclusion</a:t>
-            </a:r>
-          </a:p>
-        </p:txBody>
-      </p:sp>
-      <p:sp>
-        <p:nvSpPr>
           <p:cNvPr id="3" name="Content Placeholder 2"/>
           <p:cNvSpPr>
             <a:spLocks noGrp="1"/>
@@ -12702,15 +12824,85 @@
             <p:ph idx="1"/>
           </p:nvPr>
         </p:nvSpPr>
-        <p:spPr/>
+        <p:spPr>
+          <a:xfrm>
+            <a:off x="340096" y="1016359"/>
+            <a:ext cx="8463805" cy="3215173"/>
+          </a:xfrm>
+        </p:spPr>
         <p:txBody>
-          <a:bodyPr/>
+          <a:bodyPr>
+            <a:normAutofit fontScale="92500" lnSpcReduction="20000"/>
+          </a:bodyPr>
           <a:lstStyle/>
           <a:p>
-            <a:r>
-              <a:rPr lang="en-US" dirty="0"/>
-              <a:t>Another aspect of the code could be to refine it to create an “early stop” in the models when the adversary has sufficiently removed bias and correlation is no longer detected in the adversarial model for Z(X), Age of our input vector.</a:t>
-            </a:r>
+            <a:pPr marL="0" indent="0" algn="ctr">
+              <a:buNone/>
+            </a:pPr>
+            <a:r>
+              <a:rPr lang="en-US" sz="2400" b="1" dirty="0">
+                <a:solidFill>
+                  <a:srgbClr val="C00000"/>
+                </a:solidFill>
+              </a:rPr>
+              <a:t>Fairness</a:t>
+            </a:r>
+          </a:p>
+          <a:p>
+            <a:pPr marL="0" indent="0" algn="ctr">
+              <a:buNone/>
+            </a:pPr>
+            <a:endParaRPr lang="en-US" sz="2400" b="1" dirty="0">
+              <a:solidFill>
+                <a:srgbClr val="C00000"/>
+              </a:solidFill>
+            </a:endParaRPr>
+          </a:p>
+          <a:p>
+            <a:r>
+              <a:rPr lang="en-US" sz="2400" dirty="0"/>
+              <a:t>Fairness was compared across age groups in 5-year increments </a:t>
+            </a:r>
+          </a:p>
+          <a:p>
+            <a:pPr lvl="1"/>
+            <a:r>
+              <a:rPr lang="en-US" sz="2000" dirty="0"/>
+              <a:t>No protected or unprotected groups</a:t>
+            </a:r>
+            <a:endParaRPr lang="en-US" dirty="0"/>
+          </a:p>
+          <a:p>
+            <a:pPr marL="0" indent="0">
+              <a:buNone/>
+            </a:pPr>
+            <a:endParaRPr lang="en-US" sz="2400" dirty="0"/>
+          </a:p>
+          <a:p>
+            <a:r>
+              <a:rPr lang="en-US" sz="2400" dirty="0"/>
+              <a:t>Demographic parity is achieved when</a:t>
+            </a:r>
+          </a:p>
+          <a:p>
+            <a:pPr lvl="1"/>
+            <a:r>
+              <a:rPr lang="en-US" sz="2400" dirty="0"/>
+              <a:t>Each group has equal likelihood to be assigned a positive outcome</a:t>
+            </a:r>
+          </a:p>
+          <a:p>
+            <a:pPr lvl="1"/>
+            <a:r>
+              <a:rPr lang="en-US" sz="2400" dirty="0"/>
+              <a:t>If the proportion of positive predictions in the subgroups are closed to each other</a:t>
+            </a:r>
+          </a:p>
+          <a:p>
+            <a:pPr marL="457200" lvl="1" indent="0">
+              <a:buNone/>
+            </a:pPr>
+            <a:endParaRPr lang="en-US" sz="2400" dirty="0"/>
           </a:p>
         </p:txBody>
       </p:sp>
@@ -12737,10 +12929,76 @@
           </a:p>
         </p:txBody>
       </p:sp>
+      <p:sp>
+        <p:nvSpPr>
+          <p:cNvPr id="7" name="Title 1">
+            <a:extLst>
+              <a:ext uri="{FF2B5EF4-FFF2-40B4-BE49-F238E27FC236}">
+                <a16:creationId xmlns:a16="http://schemas.microsoft.com/office/drawing/2014/main" id="{96A5DD91-26D2-4204-8B5E-0DAB52082228}"/>
+              </a:ext>
+            </a:extLst>
+          </p:cNvPr>
+          <p:cNvSpPr>
+            <a:spLocks noGrp="1"/>
+          </p:cNvSpPr>
+          <p:nvPr>
+            <p:ph type="title"/>
+          </p:nvPr>
+        </p:nvSpPr>
+        <p:spPr>
+          <a:xfrm>
+            <a:off x="340096" y="143432"/>
+            <a:ext cx="8618552" cy="555496"/>
+          </a:xfrm>
+        </p:spPr>
+        <p:txBody>
+          <a:bodyPr>
+            <a:normAutofit/>
+          </a:bodyPr>
+          <a:lstStyle/>
+          <a:p>
+            <a:pPr algn="l"/>
+            <a:r>
+              <a:rPr lang="en-US" sz="3200" dirty="0"/>
+              <a:t>Experiment Results - Demographic Parity</a:t>
+            </a:r>
+          </a:p>
+        </p:txBody>
+      </p:sp>
+      <p:pic>
+        <p:nvPicPr>
+          <p:cNvPr id="8" name="Picture 7">
+            <a:extLst>
+              <a:ext uri="{FF2B5EF4-FFF2-40B4-BE49-F238E27FC236}">
+                <a16:creationId xmlns:a16="http://schemas.microsoft.com/office/drawing/2014/main" id="{A362FF8A-428A-4456-821A-5F027E22CAA3}"/>
+              </a:ext>
+            </a:extLst>
+          </p:cNvPr>
+          <p:cNvPicPr>
+            <a:picLocks noChangeAspect="1"/>
+          </p:cNvPicPr>
+          <p:nvPr/>
+        </p:nvPicPr>
+        <p:blipFill>
+          <a:blip r:embed="rId2"/>
+          <a:stretch>
+            <a:fillRect/>
+          </a:stretch>
+        </p:blipFill>
+        <p:spPr>
+          <a:xfrm>
+            <a:off x="285585" y="4494882"/>
+            <a:ext cx="8572825" cy="1201848"/>
+          </a:xfrm>
+          <a:prstGeom prst="rect">
+            <a:avLst/>
+          </a:prstGeom>
+        </p:spPr>
+      </p:pic>
     </p:spTree>
     <p:extLst>
       <p:ext uri="{BB962C8B-B14F-4D97-AF65-F5344CB8AC3E}">
-        <p14:creationId xmlns:p14="http://schemas.microsoft.com/office/powerpoint/2010/main" val="922487993"/>
+        <p14:creationId xmlns:p14="http://schemas.microsoft.com/office/powerpoint/2010/main" val="305912794"/>
       </p:ext>
     </p:extLst>
   </p:cSld>
@@ -12903,12 +13161,12 @@
   <p:clrMapOvr>
     <a:masterClrMapping/>
   </p:clrMapOvr>
-  <mc:AlternateContent xmlns:mc="http://schemas.openxmlformats.org/markup-compatibility/2006" xmlns:p14="http://schemas.microsoft.com/office/powerpoint/2010/main">
-    <mc:Choice Requires="p14">
-      <p:transition spd="slow" p14:dur="2750" advClick="0" advTm="15000"/>
+  <mc:AlternateContent xmlns:mc="http://schemas.openxmlformats.org/markup-compatibility/2006">
+    <mc:Choice xmlns:p14="http://schemas.microsoft.com/office/powerpoint/2010/main" Requires="p14">
+      <p:transition p14:dur="10" advClick="0" advTm="15000"/>
     </mc:Choice>
-    <mc:Fallback xmlns="">
-      <p:transition spd="slow" advClick="0" advTm="15000"/>
+    <mc:Fallback>
+      <p:transition advClick="0" advTm="15000"/>
     </mc:Fallback>
   </mc:AlternateContent>
 </p:sld>
@@ -12941,14 +13199,21 @@
             <p:ph type="title"/>
           </p:nvPr>
         </p:nvSpPr>
-        <p:spPr/>
+        <p:spPr>
+          <a:xfrm>
+            <a:off x="628650" y="365126"/>
+            <a:ext cx="7886700" cy="568729"/>
+          </a:xfrm>
+        </p:spPr>
         <p:txBody>
-          <a:bodyPr/>
+          <a:bodyPr>
+            <a:normAutofit fontScale="90000"/>
+          </a:bodyPr>
           <a:lstStyle/>
           <a:p>
             <a:r>
               <a:rPr lang="en-US" dirty="0"/>
-              <a:t>Conclusion</a:t>
+              <a:t>Conclusions</a:t>
             </a:r>
           </a:p>
         </p:txBody>
@@ -12965,22 +13230,26 @@
         </p:nvSpPr>
         <p:spPr>
           <a:xfrm>
-            <a:off x="628650" y="2601685"/>
-            <a:ext cx="7886700" cy="3575277"/>
+            <a:off x="391886" y="1382486"/>
+            <a:ext cx="8382000" cy="4794477"/>
           </a:xfrm>
         </p:spPr>
         <p:txBody>
           <a:bodyPr>
-            <a:normAutofit/>
+            <a:normAutofit fontScale="92500" lnSpcReduction="20000"/>
           </a:bodyPr>
           <a:lstStyle/>
           <a:p>
-            <a:pPr marL="0" indent="0" algn="ctr">
-              <a:buNone/>
-            </a:pPr>
             <a:r>
               <a:rPr lang="en-US" dirty="0"/>
-              <a:t>Ultimately, the opportunity to mitigate bias in continuous variables using adversarial network architecture shows promise yet we cannot become complacent and confident that systems are unbiased and fair. </a:t>
+              <a:t>We would like to have seen a more balanced distribution across age groups in the data</a:t>
+            </a:r>
+          </a:p>
+          <a:p>
+            <a:pPr lvl="1"/>
+            <a:r>
+              <a:rPr lang="en-US" dirty="0"/>
+              <a:t>No significant pre-processing on the data perhaps as a future exercise</a:t>
             </a:r>
           </a:p>
           <a:p>
@@ -12988,8 +13257,19 @@
             <a:endParaRPr lang="en-US" dirty="0"/>
           </a:p>
           <a:p>
-            <a:pPr lvl="1"/>
-            <a:endParaRPr lang="en-US" dirty="0"/>
+            <a:r>
+              <a:rPr lang="en-US" sz="2800" dirty="0"/>
+              <a:t>Based on the comparative analysis between the baseline model and the GAN model, we think we achieved demographic parity</a:t>
+            </a:r>
+          </a:p>
+          <a:p>
+            <a:endParaRPr lang="en-US" sz="2800" dirty="0"/>
+          </a:p>
+          <a:p>
+            <a:r>
+              <a:rPr lang="en-US" sz="2800" dirty="0"/>
+              <a:t>Most of the adversarial debiasing work we found was focused on protected groups such as race, sex and gender bias, but focus of our work was Age, and how can age bias be prevented in deep learning models</a:t>
+            </a:r>
           </a:p>
         </p:txBody>
       </p:sp>
@@ -13019,7 +13299,7 @@
     </p:spTree>
     <p:extLst>
       <p:ext uri="{BB962C8B-B14F-4D97-AF65-F5344CB8AC3E}">
-        <p14:creationId xmlns:p14="http://schemas.microsoft.com/office/powerpoint/2010/main" val="1029844376"/>
+        <p14:creationId xmlns:p14="http://schemas.microsoft.com/office/powerpoint/2010/main" val="3844141834"/>
       </p:ext>
     </p:extLst>
   </p:cSld>
@@ -13064,14 +13344,21 @@
             <p:ph type="title"/>
           </p:nvPr>
         </p:nvSpPr>
-        <p:spPr/>
+        <p:spPr>
+          <a:xfrm>
+            <a:off x="628650" y="200552"/>
+            <a:ext cx="7886700" cy="568729"/>
+          </a:xfrm>
+        </p:spPr>
         <p:txBody>
-          <a:bodyPr/>
+          <a:bodyPr>
+            <a:normAutofit fontScale="90000"/>
+          </a:bodyPr>
           <a:lstStyle/>
           <a:p>
             <a:r>
               <a:rPr lang="en-US" dirty="0"/>
-              <a:t>Conclusion</a:t>
+              <a:t>Conclusions</a:t>
             </a:r>
           </a:p>
         </p:txBody>
@@ -13088,21 +13375,55 @@
         </p:nvSpPr>
         <p:spPr>
           <a:xfrm>
-            <a:off x="628650" y="2133599"/>
-            <a:ext cx="7886700" cy="4043363"/>
+            <a:off x="628650" y="1128409"/>
+            <a:ext cx="8126244" cy="5048554"/>
           </a:xfrm>
         </p:spPr>
         <p:txBody>
-          <a:bodyPr/>
+          <a:bodyPr>
+            <a:normAutofit fontScale="92500" lnSpcReduction="10000"/>
+          </a:bodyPr>
           <a:lstStyle/>
+          <a:p>
+            <a:r>
+              <a:rPr lang="en-US" sz="2400" dirty="0"/>
+              <a:t>Another aspect of the code could be to refine it to create an “early stop” in the models when the adversary has sufficiently removed bias and correlation is no longer detected in the adversarial model for Z(X), Age of our input vector.</a:t>
+            </a:r>
+            <a:br>
+              <a:rPr lang="en-US" sz="2400" dirty="0"/>
+            </a:br>
+            <a:endParaRPr lang="en-US" sz="2400" dirty="0"/>
+          </a:p>
+          <a:p>
+            <a:r>
+              <a:rPr lang="en-US" sz="2400" dirty="0"/>
+              <a:t>Ultimately, the opportunity to mitigate bias in continuous variables using adversarial network architecture shows promise yet we cannot become complacent and confident that systems are unbiased and fair. </a:t>
+            </a:r>
+          </a:p>
+          <a:p>
+            <a:endParaRPr lang="en-US" sz="2400" dirty="0"/>
+          </a:p>
           <a:p>
             <a:pPr marL="0" indent="0" algn="ctr">
               <a:buNone/>
             </a:pPr>
             <a:r>
-              <a:rPr lang="en-US" dirty="0"/>
-              <a:t>There exists a myriad of tool kits, packages, process interventions, new techniques, or improved data collection cannot and must not replace the sensitivity to foresee decisions’ consequence, inquisitiveness, skepticism, mortal imagination, and compassion that humans bring to bear to on machine learning</a:t>
-            </a:r>
+              <a:rPr lang="en-US" sz="2400" b="1" dirty="0">
+                <a:solidFill>
+                  <a:srgbClr val="C00000"/>
+                </a:solidFill>
+              </a:rPr>
+              <a:t>A great number of tool kits, packages, process interventions, new techniques, or improved data collection currently exist, but we cannot and must not replace the sensitivity to foresee decisions’ consequence, inquisitiveness, skepticism, mortal imagination, and compassion that humans bring to bear to on machine learning</a:t>
+            </a:r>
+          </a:p>
+          <a:p>
+            <a:endParaRPr lang="en-US" sz="2400" dirty="0"/>
+          </a:p>
+          <a:p>
+            <a:endParaRPr lang="en-US" dirty="0"/>
+          </a:p>
+          <a:p>
+            <a:endParaRPr lang="en-US" dirty="0"/>
           </a:p>
         </p:txBody>
       </p:sp>
@@ -13132,7 +13453,7 @@
     </p:spTree>
     <p:extLst>
       <p:ext uri="{BB962C8B-B14F-4D97-AF65-F5344CB8AC3E}">
-        <p14:creationId xmlns:p14="http://schemas.microsoft.com/office/powerpoint/2010/main" val="1571250658"/>
+        <p14:creationId xmlns:p14="http://schemas.microsoft.com/office/powerpoint/2010/main" val="4261682251"/>
       </p:ext>
     </p:extLst>
   </p:cSld>
@@ -13397,11 +13718,11 @@
   <p:clrMapOvr>
     <a:masterClrMapping/>
   </p:clrMapOvr>
-  <mc:AlternateContent xmlns:mc="http://schemas.openxmlformats.org/markup-compatibility/2006" xmlns:p14="http://schemas.microsoft.com/office/powerpoint/2010/main">
-    <mc:Choice Requires="p14">
-      <p:transition p14:dur="0" advClick="0" advTm="30000"/>
+  <mc:AlternateContent xmlns:mc="http://schemas.openxmlformats.org/markup-compatibility/2006">
+    <mc:Choice xmlns:p14="http://schemas.microsoft.com/office/powerpoint/2010/main" Requires="p14">
+      <p:transition p14:dur="10" advClick="0" advTm="30000"/>
     </mc:Choice>
-    <mc:Fallback xmlns="">
+    <mc:Fallback>
       <p:transition advClick="0" advTm="30000"/>
     </mc:Fallback>
   </mc:AlternateContent>
@@ -14733,11 +15054,11 @@
   <p:clrMapOvr>
     <a:masterClrMapping/>
   </p:clrMapOvr>
-  <mc:AlternateContent xmlns:mc="http://schemas.openxmlformats.org/markup-compatibility/2006">
-    <mc:Choice xmlns:p14="http://schemas.microsoft.com/office/powerpoint/2010/main" Requires="p14">
+  <mc:AlternateContent xmlns:mc="http://schemas.openxmlformats.org/markup-compatibility/2006" xmlns:p14="http://schemas.microsoft.com/office/powerpoint/2010/main">
+    <mc:Choice Requires="p14">
       <p:transition p14:dur="10" advClick="0" advTm="30000"/>
     </mc:Choice>
-    <mc:Fallback>
+    <mc:Fallback xmlns="">
       <p:transition advClick="0" advTm="30000"/>
     </mc:Fallback>
   </mc:AlternateContent>
@@ -14882,11 +15203,11 @@
   <p:clrMapOvr>
     <a:masterClrMapping/>
   </p:clrMapOvr>
-  <mc:AlternateContent xmlns:mc="http://schemas.openxmlformats.org/markup-compatibility/2006">
-    <mc:Choice xmlns:p14="http://schemas.microsoft.com/office/powerpoint/2010/main" Requires="p14">
+  <mc:AlternateContent xmlns:mc="http://schemas.openxmlformats.org/markup-compatibility/2006" xmlns:p14="http://schemas.microsoft.com/office/powerpoint/2010/main">
+    <mc:Choice Requires="p14">
       <p:transition p14:dur="0" advClick="0" advTm="15000"/>
     </mc:Choice>
-    <mc:Fallback>
+    <mc:Fallback xmlns="">
       <p:transition advClick="0" advTm="15000"/>
     </mc:Fallback>
   </mc:AlternateContent>
